--- a/ECAPA-TDNN.pptx
+++ b/ECAPA-TDNN.pptx
@@ -13,7 +13,8 @@
     <p:sldId id="261" r:id="rId7"/>
     <p:sldId id="264" r:id="rId8"/>
     <p:sldId id="263" r:id="rId9"/>
-    <p:sldId id="266" r:id="rId10"/>
+    <p:sldId id="267" r:id="rId10"/>
+    <p:sldId id="266" r:id="rId11"/>
   </p:sldIdLst>
   <p:sldSz cx="12192000" cy="6858000"/>
   <p:notesSz cx="6858000" cy="9144000"/>
@@ -786,7 +787,7 @@
           <a:p>
             <a:fld id="{266AA4CC-C213-4BC2-84B8-4C68E8097EF0}" type="datetimeFigureOut">
               <a:rPr lang="en-IN" smtClean="0"/>
-              <a:t>17-05-2024</a:t>
+              <a:t>11-08-2025</a:t>
             </a:fld>
             <a:endParaRPr lang="en-IN"/>
           </a:p>
@@ -994,7 +995,7 @@
           <a:p>
             <a:fld id="{266AA4CC-C213-4BC2-84B8-4C68E8097EF0}" type="datetimeFigureOut">
               <a:rPr lang="en-IN" smtClean="0"/>
-              <a:t>17-05-2024</a:t>
+              <a:t>11-08-2025</a:t>
             </a:fld>
             <a:endParaRPr lang="en-IN"/>
           </a:p>
@@ -1250,7 +1251,7 @@
           <a:p>
             <a:fld id="{266AA4CC-C213-4BC2-84B8-4C68E8097EF0}" type="datetimeFigureOut">
               <a:rPr lang="en-IN" smtClean="0"/>
-              <a:t>17-05-2024</a:t>
+              <a:t>11-08-2025</a:t>
             </a:fld>
             <a:endParaRPr lang="en-IN"/>
           </a:p>
@@ -1424,7 +1425,7 @@
           <a:p>
             <a:fld id="{266AA4CC-C213-4BC2-84B8-4C68E8097EF0}" type="datetimeFigureOut">
               <a:rPr lang="en-IN" smtClean="0"/>
-              <a:t>17-05-2024</a:t>
+              <a:t>11-08-2025</a:t>
             </a:fld>
             <a:endParaRPr lang="en-IN"/>
           </a:p>
@@ -1767,7 +1768,7 @@
           <a:p>
             <a:fld id="{266AA4CC-C213-4BC2-84B8-4C68E8097EF0}" type="datetimeFigureOut">
               <a:rPr lang="en-IN" smtClean="0"/>
-              <a:t>17-05-2024</a:t>
+              <a:t>11-08-2025</a:t>
             </a:fld>
             <a:endParaRPr lang="en-IN"/>
           </a:p>
@@ -2042,7 +2043,7 @@
           <a:p>
             <a:fld id="{266AA4CC-C213-4BC2-84B8-4C68E8097EF0}" type="datetimeFigureOut">
               <a:rPr lang="en-IN" smtClean="0"/>
-              <a:t>17-05-2024</a:t>
+              <a:t>11-08-2025</a:t>
             </a:fld>
             <a:endParaRPr lang="en-IN"/>
           </a:p>
@@ -2421,7 +2422,7 @@
           <a:p>
             <a:fld id="{266AA4CC-C213-4BC2-84B8-4C68E8097EF0}" type="datetimeFigureOut">
               <a:rPr lang="en-IN" smtClean="0"/>
-              <a:t>17-05-2024</a:t>
+              <a:t>11-08-2025</a:t>
             </a:fld>
             <a:endParaRPr lang="en-IN"/>
           </a:p>
@@ -2539,7 +2540,7 @@
           <a:p>
             <a:fld id="{266AA4CC-C213-4BC2-84B8-4C68E8097EF0}" type="datetimeFigureOut">
               <a:rPr lang="en-IN" smtClean="0"/>
-              <a:t>17-05-2024</a:t>
+              <a:t>11-08-2025</a:t>
             </a:fld>
             <a:endParaRPr lang="en-IN"/>
           </a:p>
@@ -2710,7 +2711,7 @@
           <a:p>
             <a:fld id="{266AA4CC-C213-4BC2-84B8-4C68E8097EF0}" type="datetimeFigureOut">
               <a:rPr lang="en-IN" smtClean="0"/>
-              <a:t>17-05-2024</a:t>
+              <a:t>11-08-2025</a:t>
             </a:fld>
             <a:endParaRPr lang="en-IN"/>
           </a:p>
@@ -3064,7 +3065,7 @@
           <a:p>
             <a:fld id="{266AA4CC-C213-4BC2-84B8-4C68E8097EF0}" type="datetimeFigureOut">
               <a:rPr lang="en-IN" smtClean="0"/>
-              <a:t>17-05-2024</a:t>
+              <a:t>11-08-2025</a:t>
             </a:fld>
             <a:endParaRPr lang="en-IN"/>
           </a:p>
@@ -3446,7 +3447,7 @@
           <a:p>
             <a:fld id="{266AA4CC-C213-4BC2-84B8-4C68E8097EF0}" type="datetimeFigureOut">
               <a:rPr lang="en-IN" smtClean="0"/>
-              <a:t>17-05-2024</a:t>
+              <a:t>11-08-2025</a:t>
             </a:fld>
             <a:endParaRPr lang="en-IN"/>
           </a:p>
@@ -3733,7 +3734,7 @@
           <a:p>
             <a:fld id="{266AA4CC-C213-4BC2-84B8-4C68E8097EF0}" type="datetimeFigureOut">
               <a:rPr lang="en-IN" smtClean="0"/>
-              <a:t>17-05-2024</a:t>
+              <a:t>11-08-2025</a:t>
             </a:fld>
             <a:endParaRPr lang="en-IN"/>
           </a:p>
@@ -4271,8 +4272,8 @@
         </p:nvSpPr>
         <p:spPr>
           <a:xfrm>
-            <a:off x="409902" y="1971940"/>
-            <a:ext cx="11361683" cy="769441"/>
+            <a:off x="4309240" y="1814285"/>
+            <a:ext cx="5465381" cy="769441"/>
           </a:xfrm>
           <a:prstGeom prst="rect">
             <a:avLst/>
@@ -4285,156 +4286,29 @@
           </a:bodyPr>
           <a:lstStyle/>
           <a:p>
-            <a:pPr algn="l"/>
-            <a:r>
-              <a:rPr lang="en-US" sz="4400" b="1" i="0" dirty="0">
+            <a:r>
+              <a:rPr lang="en-US" sz="4400" b="1" dirty="0">
                 <a:solidFill>
                   <a:srgbClr val="1D2125"/>
                 </a:solidFill>
-                <a:effectLst/>
                 <a:latin typeface="Calibri" panose="020F0502020204030204" pitchFamily="34" charset="0"/>
                 <a:ea typeface="Calibri" panose="020F0502020204030204" pitchFamily="34" charset="0"/>
                 <a:cs typeface="Calibri" panose="020F0502020204030204" pitchFamily="34" charset="0"/>
               </a:rPr>
-              <a:t>EE6130: Advanced Topics in Signal Processing</a:t>
-            </a:r>
-          </a:p>
-        </p:txBody>
-      </p:sp>
-      <p:sp>
-        <p:nvSpPr>
-          <p:cNvPr id="5" name="TextBox 4">
-            <a:extLst>
-              <a:ext uri="{FF2B5EF4-FFF2-40B4-BE49-F238E27FC236}">
-                <a16:creationId xmlns:a16="http://schemas.microsoft.com/office/drawing/2014/main" id="{2873C4E2-4A20-E061-2788-9242BFBFF3DC}"/>
-              </a:ext>
-            </a:extLst>
-          </p:cNvPr>
-          <p:cNvSpPr txBox="1"/>
-          <p:nvPr/>
-        </p:nvSpPr>
-        <p:spPr>
-          <a:xfrm>
-            <a:off x="9438290" y="5738648"/>
-            <a:ext cx="1529586" cy="707886"/>
-          </a:xfrm>
-          <a:prstGeom prst="rect">
-            <a:avLst/>
-          </a:prstGeom>
-          <a:noFill/>
-        </p:spPr>
-        <p:txBody>
-          <a:bodyPr wrap="none" rtlCol="0">
-            <a:spAutoFit/>
-          </a:bodyPr>
-          <a:lstStyle/>
-          <a:p>
-            <a:r>
-              <a:rPr lang="en-IN" sz="2000" dirty="0">
-                <a:latin typeface="Calibri" panose="020F0502020204030204" pitchFamily="34" charset="0"/>
-                <a:ea typeface="Calibri" panose="020F0502020204030204" pitchFamily="34" charset="0"/>
-                <a:cs typeface="Calibri" panose="020F0502020204030204" pitchFamily="34" charset="0"/>
-              </a:rPr>
-              <a:t>Mathew Cigi</a:t>
-            </a:r>
-            <a:br>
-              <a:rPr lang="en-IN" sz="2000" dirty="0">
-                <a:latin typeface="Calibri" panose="020F0502020204030204" pitchFamily="34" charset="0"/>
-                <a:ea typeface="Calibri" panose="020F0502020204030204" pitchFamily="34" charset="0"/>
-                <a:cs typeface="Calibri" panose="020F0502020204030204" pitchFamily="34" charset="0"/>
-              </a:rPr>
-            </a:br>
-            <a:r>
-              <a:rPr lang="en-IN" sz="2000" dirty="0">
-                <a:latin typeface="Calibri" panose="020F0502020204030204" pitchFamily="34" charset="0"/>
-                <a:ea typeface="Calibri" panose="020F0502020204030204" pitchFamily="34" charset="0"/>
-                <a:cs typeface="Calibri" panose="020F0502020204030204" pitchFamily="34" charset="0"/>
-              </a:rPr>
-              <a:t>EE23S031</a:t>
-            </a:r>
-          </a:p>
-        </p:txBody>
-      </p:sp>
-      <p:sp>
-        <p:nvSpPr>
-          <p:cNvPr id="6" name="TextBox 5">
-            <a:extLst>
-              <a:ext uri="{FF2B5EF4-FFF2-40B4-BE49-F238E27FC236}">
-                <a16:creationId xmlns:a16="http://schemas.microsoft.com/office/drawing/2014/main" id="{0653996E-1FEB-339B-E096-04622F64507F}"/>
-              </a:ext>
-            </a:extLst>
-          </p:cNvPr>
-          <p:cNvSpPr txBox="1"/>
-          <p:nvPr/>
-        </p:nvSpPr>
-        <p:spPr>
-          <a:xfrm>
-            <a:off x="3983420" y="2921407"/>
-            <a:ext cx="3972911" cy="769441"/>
-          </a:xfrm>
-          <a:prstGeom prst="rect">
-            <a:avLst/>
-          </a:prstGeom>
-          <a:noFill/>
-        </p:spPr>
-        <p:txBody>
-          <a:bodyPr wrap="square" rtlCol="0">
-            <a:spAutoFit/>
-          </a:bodyPr>
-          <a:lstStyle/>
-          <a:p>
-            <a:pPr algn="l"/>
-            <a:r>
-              <a:rPr lang="en-US" sz="4400" b="1" i="0" dirty="0">
-                <a:solidFill>
-                  <a:srgbClr val="1D2125"/>
-                </a:solidFill>
-                <a:effectLst/>
-                <a:latin typeface="Calibri" panose="020F0502020204030204" pitchFamily="34" charset="0"/>
-                <a:ea typeface="Calibri" panose="020F0502020204030204" pitchFamily="34" charset="0"/>
-                <a:cs typeface="Calibri" panose="020F0502020204030204" pitchFamily="34" charset="0"/>
-              </a:rPr>
-              <a:t>Assignment - 2</a:t>
-            </a:r>
-          </a:p>
-        </p:txBody>
-      </p:sp>
-      <p:pic>
-        <p:nvPicPr>
-          <p:cNvPr id="3" name="Picture 2">
-            <a:extLst>
-              <a:ext uri="{FF2B5EF4-FFF2-40B4-BE49-F238E27FC236}">
-                <a16:creationId xmlns:a16="http://schemas.microsoft.com/office/drawing/2014/main" id="{BA66A1BA-BFE0-5D2F-3A5E-CFE9FD447FFC}"/>
-              </a:ext>
-            </a:extLst>
-          </p:cNvPr>
-          <p:cNvPicPr>
-            <a:picLocks noChangeAspect="1"/>
-          </p:cNvPicPr>
-          <p:nvPr/>
-        </p:nvPicPr>
-        <p:blipFill>
-          <a:blip r:embed="rId2">
-            <a:extLst>
-              <a:ext uri="{28A0092B-C50C-407E-A947-70E740481C1C}">
-                <a14:useLocalDpi xmlns:a14="http://schemas.microsoft.com/office/drawing/2010/main" val="0"/>
-              </a:ext>
-            </a:extLst>
-          </a:blip>
-          <a:stretch>
-            <a:fillRect/>
-          </a:stretch>
-        </p:blipFill>
-        <p:spPr>
-          <a:xfrm>
-            <a:off x="11351172" y="0"/>
-            <a:ext cx="840827" cy="881843"/>
-          </a:xfrm>
-          <a:prstGeom prst="rect">
-            <a:avLst/>
-          </a:prstGeom>
-        </p:spPr>
-      </p:pic>
+              <a:t>ECAPA-TDNN</a:t>
+            </a:r>
+            <a:endParaRPr lang="en-US" sz="4400" b="1" i="0" dirty="0">
+              <a:solidFill>
+                <a:srgbClr val="1D2125"/>
+              </a:solidFill>
+              <a:effectLst/>
+              <a:latin typeface="Calibri" panose="020F0502020204030204" pitchFamily="34" charset="0"/>
+              <a:ea typeface="Calibri" panose="020F0502020204030204" pitchFamily="34" charset="0"/>
+              <a:cs typeface="Calibri" panose="020F0502020204030204" pitchFamily="34" charset="0"/>
+            </a:endParaRPr>
+          </a:p>
+        </p:txBody>
+      </p:sp>
     </p:spTree>
     <p:extLst>
       <p:ext uri="{BB962C8B-B14F-4D97-AF65-F5344CB8AC3E}">
@@ -4448,2367 +4322,7 @@
 </p:sld>
 </file>
 
-<file path=ppt/slides/slide2.xml><?xml version="1.0" encoding="utf-8"?>
-<p:sld xmlns:a="http://schemas.openxmlformats.org/drawingml/2006/main" xmlns:r="http://schemas.openxmlformats.org/officeDocument/2006/relationships" xmlns:p="http://schemas.openxmlformats.org/presentationml/2006/main">
-  <p:cSld>
-    <p:spTree>
-      <p:nvGrpSpPr>
-        <p:cNvPr id="1" name=""/>
-        <p:cNvGrpSpPr/>
-        <p:nvPr/>
-      </p:nvGrpSpPr>
-      <p:grpSpPr>
-        <a:xfrm>
-          <a:off x="0" y="0"/>
-          <a:ext cx="0" cy="0"/>
-          <a:chOff x="0" y="0"/>
-          <a:chExt cx="0" cy="0"/>
-        </a:xfrm>
-      </p:grpSpPr>
-      <p:sp>
-        <p:nvSpPr>
-          <p:cNvPr id="6" name="TextBox 5">
-            <a:extLst>
-              <a:ext uri="{FF2B5EF4-FFF2-40B4-BE49-F238E27FC236}">
-                <a16:creationId xmlns:a16="http://schemas.microsoft.com/office/drawing/2014/main" id="{34FB3F4E-187E-60C2-8D38-82F493229295}"/>
-              </a:ext>
-            </a:extLst>
-          </p:cNvPr>
-          <p:cNvSpPr txBox="1"/>
-          <p:nvPr/>
-        </p:nvSpPr>
-        <p:spPr>
-          <a:xfrm>
-            <a:off x="127108" y="2864525"/>
-            <a:ext cx="5475891" cy="1323439"/>
-          </a:xfrm>
-          <a:prstGeom prst="rect">
-            <a:avLst/>
-          </a:prstGeom>
-          <a:noFill/>
-        </p:spPr>
-        <p:txBody>
-          <a:bodyPr wrap="square" rtlCol="0">
-            <a:spAutoFit/>
-          </a:bodyPr>
-          <a:lstStyle/>
-          <a:p>
-            <a:pPr marL="285750" indent="-285750">
-              <a:buFontTx/>
-              <a:buChar char="-"/>
-            </a:pPr>
-            <a:r>
-              <a:rPr lang="en-IN" sz="1600" dirty="0">
-                <a:cs typeface="Times New Roman" panose="02020603050405020304" pitchFamily="18" charset="0"/>
-              </a:rPr>
-              <a:t>Consist of </a:t>
-            </a:r>
-            <a:r>
-              <a:rPr lang="en-IN" sz="1600" b="1" dirty="0">
-                <a:cs typeface="Times New Roman" panose="02020603050405020304" pitchFamily="18" charset="0"/>
-              </a:rPr>
-              <a:t>1251 speakers </a:t>
-            </a:r>
-            <a:r>
-              <a:rPr lang="en-IN" sz="1600" dirty="0">
-                <a:cs typeface="Times New Roman" panose="02020603050405020304" pitchFamily="18" charset="0"/>
-              </a:rPr>
-              <a:t>(55% Male) with </a:t>
-            </a:r>
-            <a:r>
-              <a:rPr lang="en-IN" sz="1600" b="1" dirty="0">
-                <a:cs typeface="Times New Roman" panose="02020603050405020304" pitchFamily="18" charset="0"/>
-              </a:rPr>
-              <a:t>352 hours </a:t>
-            </a:r>
-            <a:r>
-              <a:rPr lang="en-IN" sz="1600" dirty="0">
-                <a:cs typeface="Times New Roman" panose="02020603050405020304" pitchFamily="18" charset="0"/>
-              </a:rPr>
-              <a:t>of data</a:t>
-            </a:r>
-          </a:p>
-          <a:p>
-            <a:pPr marL="285750" indent="-285750">
-              <a:buFontTx/>
-              <a:buChar char="-"/>
-            </a:pPr>
-            <a:r>
-              <a:rPr lang="en-IN" sz="1600" b="0" i="0" dirty="0">
-                <a:effectLst/>
-                <a:cs typeface="Times New Roman" panose="02020603050405020304" pitchFamily="18" charset="0"/>
-              </a:rPr>
-              <a:t>Total Utterance - 153,516</a:t>
-            </a:r>
-          </a:p>
-          <a:p>
-            <a:pPr marL="285750" indent="-285750">
-              <a:buFontTx/>
-              <a:buChar char="-"/>
-            </a:pPr>
-            <a:r>
-              <a:rPr lang="en-IN" sz="1600" dirty="0">
-                <a:cs typeface="Times New Roman" panose="02020603050405020304" pitchFamily="18" charset="0"/>
-              </a:rPr>
-              <a:t>Train, Dev </a:t>
-            </a:r>
-            <a:r>
-              <a:rPr lang="en-IN" sz="1600" b="0" i="0" dirty="0">
-                <a:effectLst/>
-                <a:cs typeface="Times New Roman" panose="02020603050405020304" pitchFamily="18" charset="0"/>
-              </a:rPr>
-              <a:t>Utterance</a:t>
-            </a:r>
-            <a:r>
-              <a:rPr lang="en-IN" sz="1600" dirty="0">
-                <a:cs typeface="Times New Roman" panose="02020603050405020304" pitchFamily="18" charset="0"/>
-              </a:rPr>
-              <a:t> - </a:t>
-            </a:r>
-            <a:r>
-              <a:rPr lang="en-IN" sz="1600" b="0" i="0" dirty="0">
-                <a:effectLst/>
-                <a:cs typeface="Times New Roman" panose="02020603050405020304" pitchFamily="18" charset="0"/>
-              </a:rPr>
-              <a:t>148,642 &amp; Test Utterance – 4874</a:t>
-            </a:r>
-          </a:p>
-          <a:p>
-            <a:pPr marL="285750" indent="-285750">
-              <a:buFontTx/>
-              <a:buChar char="-"/>
-            </a:pPr>
-            <a:r>
-              <a:rPr lang="en-IN" sz="1600" dirty="0">
-                <a:cs typeface="Times New Roman" panose="02020603050405020304" pitchFamily="18" charset="0"/>
-              </a:rPr>
-              <a:t>1211 were taken for training and 40 speakers data as testing/verification</a:t>
-            </a:r>
-          </a:p>
-        </p:txBody>
-      </p:sp>
-      <p:sp>
-        <p:nvSpPr>
-          <p:cNvPr id="9" name="TextBox 8">
-            <a:extLst>
-              <a:ext uri="{FF2B5EF4-FFF2-40B4-BE49-F238E27FC236}">
-                <a16:creationId xmlns:a16="http://schemas.microsoft.com/office/drawing/2014/main" id="{2E97DABE-2814-C77E-67DE-8F0EE1386C67}"/>
-              </a:ext>
-            </a:extLst>
-          </p:cNvPr>
-          <p:cNvSpPr txBox="1"/>
-          <p:nvPr/>
-        </p:nvSpPr>
-        <p:spPr>
-          <a:xfrm>
-            <a:off x="316864" y="2332094"/>
-            <a:ext cx="1331134" cy="523220"/>
-          </a:xfrm>
-          <a:prstGeom prst="rect">
-            <a:avLst/>
-          </a:prstGeom>
-          <a:noFill/>
-        </p:spPr>
-        <p:txBody>
-          <a:bodyPr wrap="none" rtlCol="0">
-            <a:spAutoFit/>
-          </a:bodyPr>
-          <a:lstStyle/>
-          <a:p>
-            <a:r>
-              <a:rPr lang="en-IN" sz="2800" b="1" u="sng" dirty="0">
-                <a:cs typeface="Times New Roman" panose="02020603050405020304" pitchFamily="18" charset="0"/>
-              </a:rPr>
-              <a:t>Dataset</a:t>
-            </a:r>
-          </a:p>
-        </p:txBody>
-      </p:sp>
-      <p:sp>
-        <p:nvSpPr>
-          <p:cNvPr id="10" name="TextBox 9">
-            <a:extLst>
-              <a:ext uri="{FF2B5EF4-FFF2-40B4-BE49-F238E27FC236}">
-                <a16:creationId xmlns:a16="http://schemas.microsoft.com/office/drawing/2014/main" id="{331F2751-8626-E251-899F-BC89DF91DFBA}"/>
-              </a:ext>
-            </a:extLst>
-          </p:cNvPr>
-          <p:cNvSpPr txBox="1"/>
-          <p:nvPr/>
-        </p:nvSpPr>
-        <p:spPr>
-          <a:xfrm>
-            <a:off x="1928878" y="5684454"/>
-            <a:ext cx="3779455" cy="584775"/>
-          </a:xfrm>
-          <a:prstGeom prst="rect">
-            <a:avLst/>
-          </a:prstGeom>
-          <a:noFill/>
-        </p:spPr>
-        <p:txBody>
-          <a:bodyPr wrap="square" rtlCol="0">
-            <a:spAutoFit/>
-          </a:bodyPr>
-          <a:lstStyle/>
-          <a:p>
-            <a:r>
-              <a:rPr lang="en-US" sz="1600" dirty="0">
-                <a:cs typeface="Times New Roman" panose="02020603050405020304" pitchFamily="18" charset="0"/>
-              </a:rPr>
-              <a:t>Since </a:t>
-            </a:r>
-            <a:r>
-              <a:rPr lang="en-US" sz="1600" dirty="0" err="1">
-                <a:cs typeface="Times New Roman" panose="02020603050405020304" pitchFamily="18" charset="0"/>
-              </a:rPr>
-              <a:t>VoxCeleb</a:t>
-            </a:r>
-            <a:r>
-              <a:rPr lang="en-US" sz="1600" dirty="0">
-                <a:cs typeface="Times New Roman" panose="02020603050405020304" pitchFamily="18" charset="0"/>
-              </a:rPr>
-              <a:t> -1 dataset were taken, 1211 chosen as the output neuron</a:t>
-            </a:r>
-            <a:endParaRPr lang="en-IN" sz="1600" dirty="0">
-              <a:cs typeface="Times New Roman" panose="02020603050405020304" pitchFamily="18" charset="0"/>
-            </a:endParaRPr>
-          </a:p>
-        </p:txBody>
-      </p:sp>
-      <p:pic>
-        <p:nvPicPr>
-          <p:cNvPr id="3" name="Picture 2">
-            <a:extLst>
-              <a:ext uri="{FF2B5EF4-FFF2-40B4-BE49-F238E27FC236}">
-                <a16:creationId xmlns:a16="http://schemas.microsoft.com/office/drawing/2014/main" id="{DF07EA6A-D997-7523-B84F-255844B6B2E7}"/>
-              </a:ext>
-            </a:extLst>
-          </p:cNvPr>
-          <p:cNvPicPr>
-            <a:picLocks noChangeAspect="1"/>
-          </p:cNvPicPr>
-          <p:nvPr/>
-        </p:nvPicPr>
-        <p:blipFill>
-          <a:blip r:embed="rId2"/>
-          <a:stretch>
-            <a:fillRect/>
-          </a:stretch>
-        </p:blipFill>
-        <p:spPr>
-          <a:xfrm>
-            <a:off x="6263357" y="2277935"/>
-            <a:ext cx="5801535" cy="3820058"/>
-          </a:xfrm>
-          <a:prstGeom prst="rect">
-            <a:avLst/>
-          </a:prstGeom>
-          <a:effectLst>
-            <a:outerShdw blurRad="50800" dist="38100" dir="2700000" algn="tl" rotWithShape="0">
-              <a:prstClr val="black">
-                <a:alpha val="40000"/>
-              </a:prstClr>
-            </a:outerShdw>
-          </a:effectLst>
-        </p:spPr>
-      </p:pic>
-      <p:sp>
-        <p:nvSpPr>
-          <p:cNvPr id="4" name="TextBox 3">
-            <a:extLst>
-              <a:ext uri="{FF2B5EF4-FFF2-40B4-BE49-F238E27FC236}">
-                <a16:creationId xmlns:a16="http://schemas.microsoft.com/office/drawing/2014/main" id="{2F618A6F-B4AF-2E84-06A2-217D6BBA0BE0}"/>
-              </a:ext>
-            </a:extLst>
-          </p:cNvPr>
-          <p:cNvSpPr txBox="1"/>
-          <p:nvPr/>
-        </p:nvSpPr>
-        <p:spPr>
-          <a:xfrm>
-            <a:off x="76927" y="588771"/>
-            <a:ext cx="3142142" cy="523220"/>
-          </a:xfrm>
-          <a:prstGeom prst="rect">
-            <a:avLst/>
-          </a:prstGeom>
-          <a:noFill/>
-        </p:spPr>
-        <p:txBody>
-          <a:bodyPr wrap="none" rtlCol="0">
-            <a:spAutoFit/>
-          </a:bodyPr>
-          <a:lstStyle/>
-          <a:p>
-            <a:r>
-              <a:rPr lang="en-IN" sz="2800" b="1" u="sng" dirty="0">
-                <a:cs typeface="Times New Roman" panose="02020603050405020304" pitchFamily="18" charset="0"/>
-              </a:rPr>
-              <a:t>Problem Statement</a:t>
-            </a:r>
-          </a:p>
-        </p:txBody>
-      </p:sp>
-      <p:sp>
-        <p:nvSpPr>
-          <p:cNvPr id="5" name="TextBox 4">
-            <a:extLst>
-              <a:ext uri="{FF2B5EF4-FFF2-40B4-BE49-F238E27FC236}">
-                <a16:creationId xmlns:a16="http://schemas.microsoft.com/office/drawing/2014/main" id="{DA2CB911-13B8-9408-C0EE-34EAB7AA61CC}"/>
-              </a:ext>
-            </a:extLst>
-          </p:cNvPr>
-          <p:cNvSpPr txBox="1"/>
-          <p:nvPr/>
-        </p:nvSpPr>
-        <p:spPr>
-          <a:xfrm>
-            <a:off x="230036" y="1044934"/>
-            <a:ext cx="2658837" cy="830997"/>
-          </a:xfrm>
-          <a:prstGeom prst="rect">
-            <a:avLst/>
-          </a:prstGeom>
-          <a:noFill/>
-        </p:spPr>
-        <p:txBody>
-          <a:bodyPr wrap="square">
-            <a:spAutoFit/>
-          </a:bodyPr>
-          <a:lstStyle/>
-          <a:p>
-            <a:r>
-              <a:rPr lang="en-IN" sz="1600" b="0" i="0" dirty="0">
-                <a:solidFill>
-                  <a:srgbClr val="000000"/>
-                </a:solidFill>
-                <a:effectLst/>
-                <a:highlight>
-                  <a:srgbClr val="FFFFFF"/>
-                </a:highlight>
-                <a:cs typeface="Times New Roman" panose="02020603050405020304" pitchFamily="18" charset="0"/>
-              </a:rPr>
-              <a:t>Task </a:t>
-            </a:r>
-            <a:r>
-              <a:rPr lang="en-IN" sz="1600" dirty="0">
-                <a:solidFill>
-                  <a:srgbClr val="000000"/>
-                </a:solidFill>
-                <a:highlight>
-                  <a:srgbClr val="FFFFFF"/>
-                </a:highlight>
-                <a:cs typeface="Times New Roman" panose="02020603050405020304" pitchFamily="18" charset="0"/>
-              </a:rPr>
-              <a:t>– </a:t>
-            </a:r>
-            <a:r>
-              <a:rPr lang="en-IN" sz="1600" b="0" i="0" dirty="0">
-                <a:solidFill>
-                  <a:srgbClr val="000000"/>
-                </a:solidFill>
-                <a:effectLst/>
-                <a:highlight>
-                  <a:srgbClr val="FFFFFF"/>
-                </a:highlight>
-                <a:cs typeface="Times New Roman" panose="02020603050405020304" pitchFamily="18" charset="0"/>
-              </a:rPr>
-              <a:t>Speaker Recognition</a:t>
-            </a:r>
-          </a:p>
-          <a:p>
-            <a:r>
-              <a:rPr lang="en-IN" sz="1600" dirty="0">
-                <a:solidFill>
-                  <a:srgbClr val="000000"/>
-                </a:solidFill>
-                <a:highlight>
-                  <a:srgbClr val="FFFFFF"/>
-                </a:highlight>
-                <a:cs typeface="Times New Roman" panose="02020603050405020304" pitchFamily="18" charset="0"/>
-              </a:rPr>
-              <a:t>Toolkit – Speech Brain</a:t>
-            </a:r>
-          </a:p>
-          <a:p>
-            <a:r>
-              <a:rPr lang="en-IN" sz="1600" dirty="0">
-                <a:solidFill>
-                  <a:srgbClr val="000000"/>
-                </a:solidFill>
-                <a:highlight>
-                  <a:srgbClr val="FFFFFF"/>
-                </a:highlight>
-                <a:cs typeface="Times New Roman" panose="02020603050405020304" pitchFamily="18" charset="0"/>
-              </a:rPr>
-              <a:t>Dataset</a:t>
-            </a:r>
-            <a:r>
-              <a:rPr lang="en-US" sz="1600" dirty="0">
-                <a:solidFill>
-                  <a:srgbClr val="000000"/>
-                </a:solidFill>
-                <a:cs typeface="Times New Roman" panose="02020603050405020304" pitchFamily="18" charset="0"/>
-              </a:rPr>
-              <a:t> </a:t>
-            </a:r>
-            <a:r>
-              <a:rPr lang="en-IN" sz="1600" dirty="0">
-                <a:solidFill>
-                  <a:srgbClr val="000000"/>
-                </a:solidFill>
-                <a:highlight>
-                  <a:srgbClr val="FFFFFF"/>
-                </a:highlight>
-                <a:cs typeface="Times New Roman" panose="02020603050405020304" pitchFamily="18" charset="0"/>
-              </a:rPr>
-              <a:t>– VoxCeleb1</a:t>
-            </a:r>
-            <a:endParaRPr lang="en-IN" sz="1600" b="1" dirty="0">
-              <a:cs typeface="Times New Roman" panose="02020603050405020304" pitchFamily="18" charset="0"/>
-            </a:endParaRPr>
-          </a:p>
-        </p:txBody>
-      </p:sp>
-      <p:sp>
-        <p:nvSpPr>
-          <p:cNvPr id="12" name="Rectangle 11">
-            <a:extLst>
-              <a:ext uri="{FF2B5EF4-FFF2-40B4-BE49-F238E27FC236}">
-                <a16:creationId xmlns:a16="http://schemas.microsoft.com/office/drawing/2014/main" id="{C0E3C63C-0F58-44BB-B1FB-A1D45FF51B43}"/>
-              </a:ext>
-            </a:extLst>
-          </p:cNvPr>
-          <p:cNvSpPr/>
-          <p:nvPr/>
-        </p:nvSpPr>
-        <p:spPr>
-          <a:xfrm>
-            <a:off x="6191250" y="5876925"/>
-            <a:ext cx="1685925" cy="304800"/>
-          </a:xfrm>
-          <a:prstGeom prst="rect">
-            <a:avLst/>
-          </a:prstGeom>
-          <a:noFill/>
-          <a:ln w="28575">
-            <a:solidFill>
-              <a:srgbClr val="FF0000"/>
-            </a:solidFill>
-          </a:ln>
-          <a:effectLst>
-            <a:outerShdw blurRad="50800" dist="38100" dir="2700000" algn="tl" rotWithShape="0">
-              <a:prstClr val="black">
-                <a:alpha val="40000"/>
-              </a:prstClr>
-            </a:outerShdw>
-          </a:effectLst>
-        </p:spPr>
-        <p:style>
-          <a:lnRef idx="2">
-            <a:schemeClr val="accent6"/>
-          </a:lnRef>
-          <a:fillRef idx="1">
-            <a:schemeClr val="lt1"/>
-          </a:fillRef>
-          <a:effectRef idx="0">
-            <a:schemeClr val="accent6"/>
-          </a:effectRef>
-          <a:fontRef idx="minor">
-            <a:schemeClr val="dk1"/>
-          </a:fontRef>
-        </p:style>
-        <p:txBody>
-          <a:bodyPr rtlCol="0" anchor="ctr"/>
-          <a:lstStyle/>
-          <a:p>
-            <a:pPr algn="ctr"/>
-            <a:endParaRPr lang="en-IN"/>
-          </a:p>
-        </p:txBody>
-      </p:sp>
-      <p:cxnSp>
-        <p:nvCxnSpPr>
-          <p:cNvPr id="15" name="Straight Arrow Connector 14">
-            <a:extLst>
-              <a:ext uri="{FF2B5EF4-FFF2-40B4-BE49-F238E27FC236}">
-                <a16:creationId xmlns:a16="http://schemas.microsoft.com/office/drawing/2014/main" id="{D3E0DFB2-F846-346E-8DF8-76A136F550C2}"/>
-              </a:ext>
-            </a:extLst>
-          </p:cNvPr>
-          <p:cNvCxnSpPr>
-            <a:cxnSpLocks/>
-          </p:cNvCxnSpPr>
-          <p:nvPr/>
-        </p:nvCxnSpPr>
-        <p:spPr>
-          <a:xfrm flipH="1">
-            <a:off x="5509120" y="6059892"/>
-            <a:ext cx="646075" cy="0"/>
-          </a:xfrm>
-          <a:prstGeom prst="straightConnector1">
-            <a:avLst/>
-          </a:prstGeom>
-          <a:ln w="38100">
-            <a:solidFill>
-              <a:srgbClr val="FF0000"/>
-            </a:solidFill>
-            <a:tailEnd type="triangle"/>
-          </a:ln>
-          <a:effectLst>
-            <a:outerShdw blurRad="50800" dist="38100" dir="2700000" algn="tl" rotWithShape="0">
-              <a:prstClr val="black">
-                <a:alpha val="40000"/>
-              </a:prstClr>
-            </a:outerShdw>
-          </a:effectLst>
-        </p:spPr>
-        <p:style>
-          <a:lnRef idx="1">
-            <a:schemeClr val="accent1"/>
-          </a:lnRef>
-          <a:fillRef idx="0">
-            <a:schemeClr val="accent1"/>
-          </a:fillRef>
-          <a:effectRef idx="0">
-            <a:schemeClr val="accent1"/>
-          </a:effectRef>
-          <a:fontRef idx="minor">
-            <a:schemeClr val="tx1"/>
-          </a:fontRef>
-        </p:style>
-      </p:cxnSp>
-      <p:pic>
-        <p:nvPicPr>
-          <p:cNvPr id="2" name="Picture 1">
-            <a:extLst>
-              <a:ext uri="{FF2B5EF4-FFF2-40B4-BE49-F238E27FC236}">
-                <a16:creationId xmlns:a16="http://schemas.microsoft.com/office/drawing/2014/main" id="{2A51EAAB-AADC-B980-1914-B6B85F902C97}"/>
-              </a:ext>
-            </a:extLst>
-          </p:cNvPr>
-          <p:cNvPicPr>
-            <a:picLocks noChangeAspect="1"/>
-          </p:cNvPicPr>
-          <p:nvPr/>
-        </p:nvPicPr>
-        <p:blipFill>
-          <a:blip r:embed="rId3">
-            <a:extLst>
-              <a:ext uri="{28A0092B-C50C-407E-A947-70E740481C1C}">
-                <a14:useLocalDpi xmlns:a14="http://schemas.microsoft.com/office/drawing/2010/main" val="0"/>
-              </a:ext>
-            </a:extLst>
-          </a:blip>
-          <a:stretch>
-            <a:fillRect/>
-          </a:stretch>
-        </p:blipFill>
-        <p:spPr>
-          <a:xfrm>
-            <a:off x="11351172" y="0"/>
-            <a:ext cx="840827" cy="881843"/>
-          </a:xfrm>
-          <a:prstGeom prst="rect">
-            <a:avLst/>
-          </a:prstGeom>
-        </p:spPr>
-      </p:pic>
-    </p:spTree>
-    <p:extLst>
-      <p:ext uri="{BB962C8B-B14F-4D97-AF65-F5344CB8AC3E}">
-        <p14:creationId xmlns:p14="http://schemas.microsoft.com/office/powerpoint/2010/main" val="2778399629"/>
-      </p:ext>
-    </p:extLst>
-  </p:cSld>
-  <p:clrMapOvr>
-    <a:masterClrMapping/>
-  </p:clrMapOvr>
-</p:sld>
-</file>
-
-<file path=ppt/slides/slide3.xml><?xml version="1.0" encoding="utf-8"?>
-<p:sld xmlns:a="http://schemas.openxmlformats.org/drawingml/2006/main" xmlns:r="http://schemas.openxmlformats.org/officeDocument/2006/relationships" xmlns:p="http://schemas.openxmlformats.org/presentationml/2006/main">
-  <p:cSld>
-    <p:spTree>
-      <p:nvGrpSpPr>
-        <p:cNvPr id="1" name=""/>
-        <p:cNvGrpSpPr/>
-        <p:nvPr/>
-      </p:nvGrpSpPr>
-      <p:grpSpPr>
-        <a:xfrm>
-          <a:off x="0" y="0"/>
-          <a:ext cx="0" cy="0"/>
-          <a:chOff x="0" y="0"/>
-          <a:chExt cx="0" cy="0"/>
-        </a:xfrm>
-      </p:grpSpPr>
-      <p:sp>
-        <p:nvSpPr>
-          <p:cNvPr id="2" name="TextBox 1">
-            <a:extLst>
-              <a:ext uri="{FF2B5EF4-FFF2-40B4-BE49-F238E27FC236}">
-                <a16:creationId xmlns:a16="http://schemas.microsoft.com/office/drawing/2014/main" id="{A43A8290-A35C-5A30-4CD6-6657B08D252E}"/>
-              </a:ext>
-            </a:extLst>
-          </p:cNvPr>
-          <p:cNvSpPr txBox="1"/>
-          <p:nvPr/>
-        </p:nvSpPr>
-        <p:spPr>
-          <a:xfrm>
-            <a:off x="383731" y="620162"/>
-            <a:ext cx="3627916" cy="954107"/>
-          </a:xfrm>
-          <a:prstGeom prst="rect">
-            <a:avLst/>
-          </a:prstGeom>
-          <a:noFill/>
-        </p:spPr>
-        <p:txBody>
-          <a:bodyPr wrap="none" rtlCol="0">
-            <a:spAutoFit/>
-          </a:bodyPr>
-          <a:lstStyle/>
-          <a:p>
-            <a:r>
-              <a:rPr lang="en-IN" sz="2800" b="1" u="sng" dirty="0">
-                <a:latin typeface="Times New Roman" panose="02020603050405020304" pitchFamily="18" charset="0"/>
-                <a:cs typeface="Times New Roman" panose="02020603050405020304" pitchFamily="18" charset="0"/>
-              </a:rPr>
-              <a:t>ECAPA-TDNN model</a:t>
-            </a:r>
-          </a:p>
-          <a:p>
-            <a:endParaRPr lang="en-IN" sz="2800" b="1" u="sng" dirty="0">
-              <a:latin typeface="Times New Roman" panose="02020603050405020304" pitchFamily="18" charset="0"/>
-              <a:cs typeface="Times New Roman" panose="02020603050405020304" pitchFamily="18" charset="0"/>
-            </a:endParaRPr>
-          </a:p>
-        </p:txBody>
-      </p:sp>
-      <p:pic>
-        <p:nvPicPr>
-          <p:cNvPr id="4" name="Picture 3">
-            <a:extLst>
-              <a:ext uri="{FF2B5EF4-FFF2-40B4-BE49-F238E27FC236}">
-                <a16:creationId xmlns:a16="http://schemas.microsoft.com/office/drawing/2014/main" id="{7EE694AF-8227-7E54-0CF0-1E8976495A8C}"/>
-              </a:ext>
-            </a:extLst>
-          </p:cNvPr>
-          <p:cNvPicPr>
-            <a:picLocks noChangeAspect="1"/>
-          </p:cNvPicPr>
-          <p:nvPr/>
-        </p:nvPicPr>
-        <p:blipFill>
-          <a:blip r:embed="rId2"/>
-          <a:stretch>
-            <a:fillRect/>
-          </a:stretch>
-        </p:blipFill>
-        <p:spPr>
-          <a:xfrm>
-            <a:off x="578598" y="1233849"/>
-            <a:ext cx="3720133" cy="5003989"/>
-          </a:xfrm>
-          <a:prstGeom prst="rect">
-            <a:avLst/>
-          </a:prstGeom>
-          <a:effectLst>
-            <a:outerShdw blurRad="50800" dist="38100" dir="2700000" algn="tl" rotWithShape="0">
-              <a:prstClr val="black">
-                <a:alpha val="40000"/>
-              </a:prstClr>
-            </a:outerShdw>
-          </a:effectLst>
-        </p:spPr>
-      </p:pic>
-      <p:pic>
-        <p:nvPicPr>
-          <p:cNvPr id="6" name="Picture 5">
-            <a:extLst>
-              <a:ext uri="{FF2B5EF4-FFF2-40B4-BE49-F238E27FC236}">
-                <a16:creationId xmlns:a16="http://schemas.microsoft.com/office/drawing/2014/main" id="{0E95DDA9-DA54-3E1A-1A9A-3998B01D305E}"/>
-              </a:ext>
-            </a:extLst>
-          </p:cNvPr>
-          <p:cNvPicPr>
-            <a:picLocks noChangeAspect="1"/>
-          </p:cNvPicPr>
-          <p:nvPr/>
-        </p:nvPicPr>
-        <p:blipFill>
-          <a:blip r:embed="rId3"/>
-          <a:stretch>
-            <a:fillRect/>
-          </a:stretch>
-        </p:blipFill>
-        <p:spPr>
-          <a:xfrm>
-            <a:off x="5581270" y="1328568"/>
-            <a:ext cx="5449060" cy="2429214"/>
-          </a:xfrm>
-          <a:prstGeom prst="rect">
-            <a:avLst/>
-          </a:prstGeom>
-          <a:effectLst>
-            <a:outerShdw blurRad="50800" dist="38100" dir="2700000" algn="tl" rotWithShape="0">
-              <a:prstClr val="black">
-                <a:alpha val="40000"/>
-              </a:prstClr>
-            </a:outerShdw>
-          </a:effectLst>
-        </p:spPr>
-      </p:pic>
-      <p:sp>
-        <p:nvSpPr>
-          <p:cNvPr id="7" name="TextBox 6">
-            <a:extLst>
-              <a:ext uri="{FF2B5EF4-FFF2-40B4-BE49-F238E27FC236}">
-                <a16:creationId xmlns:a16="http://schemas.microsoft.com/office/drawing/2014/main" id="{EA7E106F-F3C8-B8A9-04F6-3C75198751BF}"/>
-              </a:ext>
-            </a:extLst>
-          </p:cNvPr>
-          <p:cNvSpPr txBox="1"/>
-          <p:nvPr/>
-        </p:nvSpPr>
-        <p:spPr>
-          <a:xfrm>
-            <a:off x="5505070" y="3854110"/>
-            <a:ext cx="4401718" cy="1477328"/>
-          </a:xfrm>
-          <a:prstGeom prst="rect">
-            <a:avLst/>
-          </a:prstGeom>
-          <a:noFill/>
-        </p:spPr>
-        <p:txBody>
-          <a:bodyPr wrap="none" rtlCol="0">
-            <a:spAutoFit/>
-          </a:bodyPr>
-          <a:lstStyle/>
-          <a:p>
-            <a:r>
-              <a:rPr lang="en-IN" dirty="0"/>
-              <a:t>k -&gt; kernel size</a:t>
-            </a:r>
-          </a:p>
-          <a:p>
-            <a:r>
-              <a:rPr lang="en-IN" dirty="0"/>
-              <a:t>C -&gt; Number of channels</a:t>
-            </a:r>
-          </a:p>
-          <a:p>
-            <a:r>
-              <a:rPr lang="en-IN" dirty="0"/>
-              <a:t>T -&gt; Temporal dimension of the feature maps</a:t>
-            </a:r>
-          </a:p>
-          <a:p>
-            <a:r>
-              <a:rPr lang="en-IN" dirty="0"/>
-              <a:t>d -&gt; dilation spacing of the SE-Res2Block  </a:t>
-            </a:r>
-          </a:p>
-          <a:p>
-            <a:r>
-              <a:rPr lang="en-IN" dirty="0"/>
-              <a:t>S -&gt; The number of speakers</a:t>
-            </a:r>
-          </a:p>
-        </p:txBody>
-      </p:sp>
-      <p:pic>
-        <p:nvPicPr>
-          <p:cNvPr id="3" name="Picture 2">
-            <a:extLst>
-              <a:ext uri="{FF2B5EF4-FFF2-40B4-BE49-F238E27FC236}">
-                <a16:creationId xmlns:a16="http://schemas.microsoft.com/office/drawing/2014/main" id="{92055F60-EE4B-BB6A-DC44-4B70EF939FF7}"/>
-              </a:ext>
-            </a:extLst>
-          </p:cNvPr>
-          <p:cNvPicPr>
-            <a:picLocks noChangeAspect="1"/>
-          </p:cNvPicPr>
-          <p:nvPr/>
-        </p:nvPicPr>
-        <p:blipFill>
-          <a:blip r:embed="rId4">
-            <a:extLst>
-              <a:ext uri="{28A0092B-C50C-407E-A947-70E740481C1C}">
-                <a14:useLocalDpi xmlns:a14="http://schemas.microsoft.com/office/drawing/2010/main" val="0"/>
-              </a:ext>
-            </a:extLst>
-          </a:blip>
-          <a:stretch>
-            <a:fillRect/>
-          </a:stretch>
-        </p:blipFill>
-        <p:spPr>
-          <a:xfrm>
-            <a:off x="11351172" y="0"/>
-            <a:ext cx="840827" cy="881843"/>
-          </a:xfrm>
-          <a:prstGeom prst="rect">
-            <a:avLst/>
-          </a:prstGeom>
-        </p:spPr>
-      </p:pic>
-    </p:spTree>
-    <p:extLst>
-      <p:ext uri="{BB962C8B-B14F-4D97-AF65-F5344CB8AC3E}">
-        <p14:creationId xmlns:p14="http://schemas.microsoft.com/office/powerpoint/2010/main" val="2672956735"/>
-      </p:ext>
-    </p:extLst>
-  </p:cSld>
-  <p:clrMapOvr>
-    <a:masterClrMapping/>
-  </p:clrMapOvr>
-</p:sld>
-</file>
-
-<file path=ppt/slides/slide4.xml><?xml version="1.0" encoding="utf-8"?>
-<p:sld xmlns:a="http://schemas.openxmlformats.org/drawingml/2006/main" xmlns:r="http://schemas.openxmlformats.org/officeDocument/2006/relationships" xmlns:p="http://schemas.openxmlformats.org/presentationml/2006/main">
-  <p:cSld>
-    <p:spTree>
-      <p:nvGrpSpPr>
-        <p:cNvPr id="1" name=""/>
-        <p:cNvGrpSpPr/>
-        <p:nvPr/>
-      </p:nvGrpSpPr>
-      <p:grpSpPr>
-        <a:xfrm>
-          <a:off x="0" y="0"/>
-          <a:ext cx="0" cy="0"/>
-          <a:chOff x="0" y="0"/>
-          <a:chExt cx="0" cy="0"/>
-        </a:xfrm>
-      </p:grpSpPr>
-      <p:sp>
-        <p:nvSpPr>
-          <p:cNvPr id="4" name="TextBox 3">
-            <a:extLst>
-              <a:ext uri="{FF2B5EF4-FFF2-40B4-BE49-F238E27FC236}">
-                <a16:creationId xmlns:a16="http://schemas.microsoft.com/office/drawing/2014/main" id="{909328C1-6730-B704-4FBD-3D9F16476577}"/>
-              </a:ext>
-            </a:extLst>
-          </p:cNvPr>
-          <p:cNvSpPr txBox="1"/>
-          <p:nvPr/>
-        </p:nvSpPr>
-        <p:spPr>
-          <a:xfrm>
-            <a:off x="341586" y="315362"/>
-            <a:ext cx="1583062" cy="523220"/>
-          </a:xfrm>
-          <a:prstGeom prst="rect">
-            <a:avLst/>
-          </a:prstGeom>
-          <a:noFill/>
-        </p:spPr>
-        <p:txBody>
-          <a:bodyPr wrap="none" rtlCol="0">
-            <a:spAutoFit/>
-          </a:bodyPr>
-          <a:lstStyle/>
-          <a:p>
-            <a:r>
-              <a:rPr lang="en-IN" sz="2800" b="1" u="sng" dirty="0">
-                <a:latin typeface="Times New Roman" panose="02020603050405020304" pitchFamily="18" charset="0"/>
-                <a:cs typeface="Times New Roman" panose="02020603050405020304" pitchFamily="18" charset="0"/>
-              </a:rPr>
-              <a:t>Train log</a:t>
-            </a:r>
-          </a:p>
-        </p:txBody>
-      </p:sp>
-      <p:sp>
-        <p:nvSpPr>
-          <p:cNvPr id="7" name="TextBox 6">
-            <a:extLst>
-              <a:ext uri="{FF2B5EF4-FFF2-40B4-BE49-F238E27FC236}">
-                <a16:creationId xmlns:a16="http://schemas.microsoft.com/office/drawing/2014/main" id="{B43B6935-E064-5B8B-58DE-DA56C5918C9B}"/>
-              </a:ext>
-            </a:extLst>
-          </p:cNvPr>
-          <p:cNvSpPr txBox="1"/>
-          <p:nvPr/>
-        </p:nvSpPr>
-        <p:spPr>
-          <a:xfrm>
-            <a:off x="6872781" y="1202121"/>
-            <a:ext cx="2577950" cy="369332"/>
-          </a:xfrm>
-          <a:prstGeom prst="rect">
-            <a:avLst/>
-          </a:prstGeom>
-          <a:noFill/>
-        </p:spPr>
-        <p:txBody>
-          <a:bodyPr wrap="none" rtlCol="0">
-            <a:spAutoFit/>
-          </a:bodyPr>
-          <a:lstStyle/>
-          <a:p>
-            <a:pPr marL="285750" indent="-285750">
-              <a:buFont typeface="Wingdings" panose="05000000000000000000" pitchFamily="2" charset="2"/>
-              <a:buChar char="Ø"/>
-            </a:pPr>
-            <a:r>
-              <a:rPr lang="en-US" dirty="0"/>
-              <a:t>Number of epoch = 10</a:t>
-            </a:r>
-            <a:endParaRPr lang="en-IN" dirty="0"/>
-          </a:p>
-        </p:txBody>
-      </p:sp>
-      <p:sp>
-        <p:nvSpPr>
-          <p:cNvPr id="8" name="TextBox 7">
-            <a:extLst>
-              <a:ext uri="{FF2B5EF4-FFF2-40B4-BE49-F238E27FC236}">
-                <a16:creationId xmlns:a16="http://schemas.microsoft.com/office/drawing/2014/main" id="{F7FD18F4-9EFB-9D8E-1268-CB07C8BE0E5A}"/>
-              </a:ext>
-            </a:extLst>
-          </p:cNvPr>
-          <p:cNvSpPr txBox="1"/>
-          <p:nvPr/>
-        </p:nvSpPr>
-        <p:spPr>
-          <a:xfrm>
-            <a:off x="2663035" y="6000363"/>
-            <a:ext cx="1869551" cy="369332"/>
-          </a:xfrm>
-          <a:prstGeom prst="rect">
-            <a:avLst/>
-          </a:prstGeom>
-          <a:noFill/>
-        </p:spPr>
-        <p:txBody>
-          <a:bodyPr wrap="none" rtlCol="0">
-            <a:spAutoFit/>
-          </a:bodyPr>
-          <a:lstStyle/>
-          <a:p>
-            <a:r>
-              <a:rPr lang="en-US" dirty="0"/>
-              <a:t>From train_log.txt</a:t>
-            </a:r>
-            <a:endParaRPr lang="en-IN" dirty="0"/>
-          </a:p>
-        </p:txBody>
-      </p:sp>
-      <p:pic>
-        <p:nvPicPr>
-          <p:cNvPr id="1026" name="Picture 2">
-            <a:extLst>
-              <a:ext uri="{FF2B5EF4-FFF2-40B4-BE49-F238E27FC236}">
-                <a16:creationId xmlns:a16="http://schemas.microsoft.com/office/drawing/2014/main" id="{A061CB28-7CFD-7022-4372-D53AC4EDC4AA}"/>
-              </a:ext>
-            </a:extLst>
-          </p:cNvPr>
-          <p:cNvPicPr>
-            <a:picLocks noChangeAspect="1" noChangeArrowheads="1"/>
-          </p:cNvPicPr>
-          <p:nvPr/>
-        </p:nvPicPr>
-        <p:blipFill>
-          <a:blip r:embed="rId2">
-            <a:extLst>
-              <a:ext uri="{28A0092B-C50C-407E-A947-70E740481C1C}">
-                <a14:useLocalDpi xmlns:a14="http://schemas.microsoft.com/office/drawing/2010/main" val="0"/>
-              </a:ext>
-            </a:extLst>
-          </a:blip>
-          <a:srcRect/>
-          <a:stretch>
-            <a:fillRect/>
-          </a:stretch>
-        </p:blipFill>
-        <p:spPr bwMode="auto">
-          <a:xfrm>
-            <a:off x="74886" y="838582"/>
-            <a:ext cx="6716439" cy="3334402"/>
-          </a:xfrm>
-          <a:prstGeom prst="rect">
-            <a:avLst/>
-          </a:prstGeom>
-          <a:noFill/>
-          <a:effectLst>
-            <a:outerShdw blurRad="50800" dist="38100" dir="5400000" algn="t" rotWithShape="0">
-              <a:prstClr val="black">
-                <a:alpha val="40000"/>
-              </a:prstClr>
-            </a:outerShdw>
-          </a:effectLst>
-          <a:extLst>
-            <a:ext uri="{909E8E84-426E-40DD-AFC4-6F175D3DCCD1}">
-              <a14:hiddenFill xmlns:a14="http://schemas.microsoft.com/office/drawing/2010/main">
-                <a:solidFill>
-                  <a:srgbClr val="FFFFFF"/>
-                </a:solidFill>
-              </a14:hiddenFill>
-            </a:ext>
-          </a:extLst>
-        </p:spPr>
-      </p:pic>
-      <p:pic>
-        <p:nvPicPr>
-          <p:cNvPr id="5" name="Picture 4">
-            <a:extLst>
-              <a:ext uri="{FF2B5EF4-FFF2-40B4-BE49-F238E27FC236}">
-                <a16:creationId xmlns:a16="http://schemas.microsoft.com/office/drawing/2014/main" id="{2D02C83A-3B7E-5A2D-404A-9C386C44D191}"/>
-              </a:ext>
-            </a:extLst>
-          </p:cNvPr>
-          <p:cNvPicPr>
-            <a:picLocks noChangeAspect="1"/>
-          </p:cNvPicPr>
-          <p:nvPr/>
-        </p:nvPicPr>
-        <p:blipFill>
-          <a:blip r:embed="rId3"/>
-          <a:stretch>
-            <a:fillRect/>
-          </a:stretch>
-        </p:blipFill>
-        <p:spPr>
-          <a:xfrm>
-            <a:off x="4628094" y="4295596"/>
-            <a:ext cx="7563906" cy="2000529"/>
-          </a:xfrm>
-          <a:prstGeom prst="rect">
-            <a:avLst/>
-          </a:prstGeom>
-          <a:effectLst>
-            <a:outerShdw blurRad="50800" dist="38100" dir="2700000" algn="tl" rotWithShape="0">
-              <a:prstClr val="black">
-                <a:alpha val="40000"/>
-              </a:prstClr>
-            </a:outerShdw>
-          </a:effectLst>
-        </p:spPr>
-      </p:pic>
-      <p:pic>
-        <p:nvPicPr>
-          <p:cNvPr id="2" name="Picture 1">
-            <a:extLst>
-              <a:ext uri="{FF2B5EF4-FFF2-40B4-BE49-F238E27FC236}">
-                <a16:creationId xmlns:a16="http://schemas.microsoft.com/office/drawing/2014/main" id="{F96ADE65-F7C7-0041-E200-6B1EA978D4BB}"/>
-              </a:ext>
-            </a:extLst>
-          </p:cNvPr>
-          <p:cNvPicPr>
-            <a:picLocks noChangeAspect="1"/>
-          </p:cNvPicPr>
-          <p:nvPr/>
-        </p:nvPicPr>
-        <p:blipFill>
-          <a:blip r:embed="rId4">
-            <a:extLst>
-              <a:ext uri="{28A0092B-C50C-407E-A947-70E740481C1C}">
-                <a14:useLocalDpi xmlns:a14="http://schemas.microsoft.com/office/drawing/2010/main" val="0"/>
-              </a:ext>
-            </a:extLst>
-          </a:blip>
-          <a:stretch>
-            <a:fillRect/>
-          </a:stretch>
-        </p:blipFill>
-        <p:spPr>
-          <a:xfrm>
-            <a:off x="11351172" y="0"/>
-            <a:ext cx="840827" cy="881843"/>
-          </a:xfrm>
-          <a:prstGeom prst="rect">
-            <a:avLst/>
-          </a:prstGeom>
-        </p:spPr>
-      </p:pic>
-    </p:spTree>
-    <p:extLst>
-      <p:ext uri="{BB962C8B-B14F-4D97-AF65-F5344CB8AC3E}">
-        <p14:creationId xmlns:p14="http://schemas.microsoft.com/office/powerpoint/2010/main" val="2361076301"/>
-      </p:ext>
-    </p:extLst>
-  </p:cSld>
-  <p:clrMapOvr>
-    <a:masterClrMapping/>
-  </p:clrMapOvr>
-</p:sld>
-</file>
-
-<file path=ppt/slides/slide5.xml><?xml version="1.0" encoding="utf-8"?>
-<p:sld xmlns:a="http://schemas.openxmlformats.org/drawingml/2006/main" xmlns:r="http://schemas.openxmlformats.org/officeDocument/2006/relationships" xmlns:p="http://schemas.openxmlformats.org/presentationml/2006/main">
-  <p:cSld>
-    <p:spTree>
-      <p:nvGrpSpPr>
-        <p:cNvPr id="1" name=""/>
-        <p:cNvGrpSpPr/>
-        <p:nvPr/>
-      </p:nvGrpSpPr>
-      <p:grpSpPr>
-        <a:xfrm>
-          <a:off x="0" y="0"/>
-          <a:ext cx="0" cy="0"/>
-          <a:chOff x="0" y="0"/>
-          <a:chExt cx="0" cy="0"/>
-        </a:xfrm>
-      </p:grpSpPr>
-      <p:sp>
-        <p:nvSpPr>
-          <p:cNvPr id="2" name="TextBox 1">
-            <a:extLst>
-              <a:ext uri="{FF2B5EF4-FFF2-40B4-BE49-F238E27FC236}">
-                <a16:creationId xmlns:a16="http://schemas.microsoft.com/office/drawing/2014/main" id="{972A848D-6296-A916-BD55-5A0051CBDECE}"/>
-              </a:ext>
-            </a:extLst>
-          </p:cNvPr>
-          <p:cNvSpPr txBox="1"/>
-          <p:nvPr/>
-        </p:nvSpPr>
-        <p:spPr>
-          <a:xfrm>
-            <a:off x="341586" y="315362"/>
-            <a:ext cx="3147657" cy="523220"/>
-          </a:xfrm>
-          <a:prstGeom prst="rect">
-            <a:avLst/>
-          </a:prstGeom>
-          <a:noFill/>
-        </p:spPr>
-        <p:txBody>
-          <a:bodyPr wrap="none" rtlCol="0">
-            <a:spAutoFit/>
-          </a:bodyPr>
-          <a:lstStyle/>
-          <a:p>
-            <a:r>
-              <a:rPr lang="en-IN" sz="2800" b="1" u="sng" dirty="0">
-                <a:latin typeface="Calibri" panose="020F0502020204030204" pitchFamily="34" charset="0"/>
-                <a:ea typeface="Calibri" panose="020F0502020204030204" pitchFamily="34" charset="0"/>
-                <a:cs typeface="Calibri" panose="020F0502020204030204" pitchFamily="34" charset="0"/>
-              </a:rPr>
-              <a:t>Speaker verification</a:t>
-            </a:r>
-          </a:p>
-        </p:txBody>
-      </p:sp>
-      <p:sp>
-        <p:nvSpPr>
-          <p:cNvPr id="3" name="TextBox 2">
-            <a:extLst>
-              <a:ext uri="{FF2B5EF4-FFF2-40B4-BE49-F238E27FC236}">
-                <a16:creationId xmlns:a16="http://schemas.microsoft.com/office/drawing/2014/main" id="{F7B28166-D9D9-5C3E-5E9D-55B35F4101AF}"/>
-              </a:ext>
-            </a:extLst>
-          </p:cNvPr>
-          <p:cNvSpPr txBox="1"/>
-          <p:nvPr/>
-        </p:nvSpPr>
-        <p:spPr>
-          <a:xfrm>
-            <a:off x="79813" y="1109764"/>
-            <a:ext cx="8737615" cy="646331"/>
-          </a:xfrm>
-          <a:prstGeom prst="rect">
-            <a:avLst/>
-          </a:prstGeom>
-          <a:noFill/>
-        </p:spPr>
-        <p:txBody>
-          <a:bodyPr wrap="square" rtlCol="0">
-            <a:spAutoFit/>
-          </a:bodyPr>
-          <a:lstStyle/>
-          <a:p>
-            <a:r>
-              <a:rPr lang="en-US" dirty="0">
-                <a:latin typeface="Calibri" panose="020F0502020204030204" pitchFamily="34" charset="0"/>
-                <a:ea typeface="Calibri" panose="020F0502020204030204" pitchFamily="34" charset="0"/>
-                <a:cs typeface="Calibri" panose="020F0502020204030204" pitchFamily="34" charset="0"/>
-              </a:rPr>
-              <a:t>“</a:t>
-            </a:r>
-            <a:r>
-              <a:rPr lang="en-US" dirty="0" err="1">
-                <a:latin typeface="Calibri" panose="020F0502020204030204" pitchFamily="34" charset="0"/>
-                <a:ea typeface="Calibri" panose="020F0502020204030204" pitchFamily="34" charset="0"/>
-                <a:cs typeface="Calibri" panose="020F0502020204030204" pitchFamily="34" charset="0"/>
-              </a:rPr>
-              <a:t>pretrain_path</a:t>
-            </a:r>
-            <a:r>
-              <a:rPr lang="en-US" dirty="0">
-                <a:latin typeface="Calibri" panose="020F0502020204030204" pitchFamily="34" charset="0"/>
-                <a:ea typeface="Calibri" panose="020F0502020204030204" pitchFamily="34" charset="0"/>
-                <a:cs typeface="Calibri" panose="020F0502020204030204" pitchFamily="34" charset="0"/>
-              </a:rPr>
-              <a:t>” in the “</a:t>
-            </a:r>
-            <a:r>
-              <a:rPr lang="en-US" b="1" dirty="0" err="1">
-                <a:latin typeface="Calibri" panose="020F0502020204030204" pitchFamily="34" charset="0"/>
-                <a:ea typeface="Calibri" panose="020F0502020204030204" pitchFamily="34" charset="0"/>
-                <a:cs typeface="Calibri" panose="020F0502020204030204" pitchFamily="34" charset="0"/>
-              </a:rPr>
-              <a:t>verification_ecapa.yaml</a:t>
-            </a:r>
-            <a:r>
-              <a:rPr lang="en-US" dirty="0">
-                <a:latin typeface="Calibri" panose="020F0502020204030204" pitchFamily="34" charset="0"/>
-                <a:ea typeface="Calibri" panose="020F0502020204030204" pitchFamily="34" charset="0"/>
-                <a:cs typeface="Calibri" panose="020F0502020204030204" pitchFamily="34" charset="0"/>
-              </a:rPr>
-              <a:t>” file should be changed to the location where the trained model is present else, the pre-trained model will be taken</a:t>
-            </a:r>
-            <a:endParaRPr lang="en-IN" dirty="0">
-              <a:latin typeface="Calibri" panose="020F0502020204030204" pitchFamily="34" charset="0"/>
-              <a:ea typeface="Calibri" panose="020F0502020204030204" pitchFamily="34" charset="0"/>
-              <a:cs typeface="Calibri" panose="020F0502020204030204" pitchFamily="34" charset="0"/>
-            </a:endParaRPr>
-          </a:p>
-        </p:txBody>
-      </p:sp>
-      <p:pic>
-        <p:nvPicPr>
-          <p:cNvPr id="7" name="Picture 6">
-            <a:extLst>
-              <a:ext uri="{FF2B5EF4-FFF2-40B4-BE49-F238E27FC236}">
-                <a16:creationId xmlns:a16="http://schemas.microsoft.com/office/drawing/2014/main" id="{9C96E9B1-47F3-1B37-1BC7-53F295043DBF}"/>
-              </a:ext>
-            </a:extLst>
-          </p:cNvPr>
-          <p:cNvPicPr>
-            <a:picLocks noChangeAspect="1"/>
-          </p:cNvPicPr>
-          <p:nvPr/>
-        </p:nvPicPr>
-        <p:blipFill>
-          <a:blip r:embed="rId2"/>
-          <a:stretch>
-            <a:fillRect/>
-          </a:stretch>
-        </p:blipFill>
-        <p:spPr>
-          <a:xfrm>
-            <a:off x="244858" y="1892127"/>
-            <a:ext cx="9190311" cy="1276528"/>
-          </a:xfrm>
-          <a:prstGeom prst="rect">
-            <a:avLst/>
-          </a:prstGeom>
-          <a:effectLst>
-            <a:outerShdw blurRad="50800" dist="38100" dir="2700000" algn="tl" rotWithShape="0">
-              <a:prstClr val="black">
-                <a:alpha val="40000"/>
-              </a:prstClr>
-            </a:outerShdw>
-          </a:effectLst>
-        </p:spPr>
-      </p:pic>
-      <p:sp>
-        <p:nvSpPr>
-          <p:cNvPr id="8" name="TextBox 7">
-            <a:extLst>
-              <a:ext uri="{FF2B5EF4-FFF2-40B4-BE49-F238E27FC236}">
-                <a16:creationId xmlns:a16="http://schemas.microsoft.com/office/drawing/2014/main" id="{6DD1754D-9F2F-6F6D-77DD-48B87E1A47C2}"/>
-              </a:ext>
-            </a:extLst>
-          </p:cNvPr>
-          <p:cNvSpPr txBox="1"/>
-          <p:nvPr/>
-        </p:nvSpPr>
-        <p:spPr>
-          <a:xfrm>
-            <a:off x="244858" y="3689346"/>
-            <a:ext cx="4840014" cy="1200329"/>
-          </a:xfrm>
-          <a:prstGeom prst="rect">
-            <a:avLst/>
-          </a:prstGeom>
-          <a:noFill/>
-        </p:spPr>
-        <p:txBody>
-          <a:bodyPr wrap="square" rtlCol="0">
-            <a:spAutoFit/>
-          </a:bodyPr>
-          <a:lstStyle/>
-          <a:p>
-            <a:pPr marL="285750" indent="-285750">
-              <a:buFontTx/>
-              <a:buChar char="-"/>
-            </a:pPr>
-            <a:r>
-              <a:rPr lang="en-IN" dirty="0">
-                <a:latin typeface="Calibri" panose="020F0502020204030204" pitchFamily="34" charset="0"/>
-                <a:ea typeface="Calibri" panose="020F0502020204030204" pitchFamily="34" charset="0"/>
-                <a:cs typeface="Calibri" panose="020F0502020204030204" pitchFamily="34" charset="0"/>
-              </a:rPr>
-              <a:t>EER(%) = 2.52%</a:t>
-            </a:r>
-          </a:p>
-          <a:p>
-            <a:pPr marL="285750" indent="-285750">
-              <a:buFontTx/>
-              <a:buChar char="-"/>
-            </a:pPr>
-            <a:r>
-              <a:rPr lang="en-IN" dirty="0">
-                <a:latin typeface="Calibri" panose="020F0502020204030204" pitchFamily="34" charset="0"/>
-                <a:ea typeface="Calibri" panose="020F0502020204030204" pitchFamily="34" charset="0"/>
-                <a:cs typeface="Calibri" panose="020F0502020204030204" pitchFamily="34" charset="0"/>
-              </a:rPr>
-              <a:t>minDCF = 0.269</a:t>
-            </a:r>
-          </a:p>
-          <a:p>
-            <a:pPr marL="285750" indent="-285750">
-              <a:buFontTx/>
-              <a:buChar char="-"/>
-            </a:pPr>
-            <a:r>
-              <a:rPr lang="en-US" b="0" i="0" dirty="0">
-                <a:effectLst/>
-                <a:latin typeface="-apple-system"/>
-              </a:rPr>
-              <a:t>Speaker verification using </a:t>
-            </a:r>
-            <a:r>
-              <a:rPr lang="en-US" b="1" i="0" dirty="0">
-                <a:effectLst/>
-                <a:latin typeface="-apple-system"/>
-              </a:rPr>
-              <a:t>cosine similarity</a:t>
-            </a:r>
-            <a:endParaRPr lang="en-IN" b="1" dirty="0">
-              <a:latin typeface="Calibri" panose="020F0502020204030204" pitchFamily="34" charset="0"/>
-              <a:ea typeface="Calibri" panose="020F0502020204030204" pitchFamily="34" charset="0"/>
-              <a:cs typeface="Calibri" panose="020F0502020204030204" pitchFamily="34" charset="0"/>
-            </a:endParaRPr>
-          </a:p>
-          <a:p>
-            <a:pPr marL="285750" indent="-285750">
-              <a:buFontTx/>
-              <a:buChar char="-"/>
-            </a:pPr>
-            <a:endParaRPr lang="en-IN" dirty="0">
-              <a:latin typeface="Calibri" panose="020F0502020204030204" pitchFamily="34" charset="0"/>
-              <a:ea typeface="Calibri" panose="020F0502020204030204" pitchFamily="34" charset="0"/>
-              <a:cs typeface="Calibri" panose="020F0502020204030204" pitchFamily="34" charset="0"/>
-            </a:endParaRPr>
-          </a:p>
-        </p:txBody>
-      </p:sp>
-      <p:pic>
-        <p:nvPicPr>
-          <p:cNvPr id="4" name="Picture 3">
-            <a:extLst>
-              <a:ext uri="{FF2B5EF4-FFF2-40B4-BE49-F238E27FC236}">
-                <a16:creationId xmlns:a16="http://schemas.microsoft.com/office/drawing/2014/main" id="{EFA16F09-5068-BDAC-3ADE-2A65A1E5A6F6}"/>
-              </a:ext>
-            </a:extLst>
-          </p:cNvPr>
-          <p:cNvPicPr>
-            <a:picLocks noChangeAspect="1"/>
-          </p:cNvPicPr>
-          <p:nvPr/>
-        </p:nvPicPr>
-        <p:blipFill>
-          <a:blip r:embed="rId3">
-            <a:extLst>
-              <a:ext uri="{28A0092B-C50C-407E-A947-70E740481C1C}">
-                <a14:useLocalDpi xmlns:a14="http://schemas.microsoft.com/office/drawing/2010/main" val="0"/>
-              </a:ext>
-            </a:extLst>
-          </a:blip>
-          <a:stretch>
-            <a:fillRect/>
-          </a:stretch>
-        </p:blipFill>
-        <p:spPr>
-          <a:xfrm>
-            <a:off x="11351172" y="0"/>
-            <a:ext cx="840827" cy="881843"/>
-          </a:xfrm>
-          <a:prstGeom prst="rect">
-            <a:avLst/>
-          </a:prstGeom>
-        </p:spPr>
-      </p:pic>
-      <p:sp>
-        <p:nvSpPr>
-          <p:cNvPr id="5" name="TextBox 4">
-            <a:extLst>
-              <a:ext uri="{FF2B5EF4-FFF2-40B4-BE49-F238E27FC236}">
-                <a16:creationId xmlns:a16="http://schemas.microsoft.com/office/drawing/2014/main" id="{2AA2F2F9-54EB-AF10-8920-DE31C632D396}"/>
-              </a:ext>
-            </a:extLst>
-          </p:cNvPr>
-          <p:cNvSpPr txBox="1"/>
-          <p:nvPr/>
-        </p:nvSpPr>
-        <p:spPr>
-          <a:xfrm>
-            <a:off x="6096000" y="4086168"/>
-            <a:ext cx="4429546" cy="646331"/>
-          </a:xfrm>
-          <a:prstGeom prst="rect">
-            <a:avLst/>
-          </a:prstGeom>
-          <a:noFill/>
-        </p:spPr>
-        <p:txBody>
-          <a:bodyPr wrap="none" rtlCol="0">
-            <a:spAutoFit/>
-          </a:bodyPr>
-          <a:lstStyle/>
-          <a:p>
-            <a:r>
-              <a:rPr lang="en-IN" dirty="0"/>
-              <a:t>EER        -&gt;  Equal error rate</a:t>
-            </a:r>
-          </a:p>
-          <a:p>
-            <a:r>
-              <a:rPr lang="en-IN" dirty="0"/>
-              <a:t>minDCF -&gt; Minimum Detection Cost Function</a:t>
-            </a:r>
-          </a:p>
-        </p:txBody>
-      </p:sp>
-    </p:spTree>
-    <p:extLst>
-      <p:ext uri="{BB962C8B-B14F-4D97-AF65-F5344CB8AC3E}">
-        <p14:creationId xmlns:p14="http://schemas.microsoft.com/office/powerpoint/2010/main" val="4211180547"/>
-      </p:ext>
-    </p:extLst>
-  </p:cSld>
-  <p:clrMapOvr>
-    <a:masterClrMapping/>
-  </p:clrMapOvr>
-</p:sld>
-</file>
-
-<file path=ppt/slides/slide6.xml><?xml version="1.0" encoding="utf-8"?>
-<p:sld xmlns:a="http://schemas.openxmlformats.org/drawingml/2006/main" xmlns:r="http://schemas.openxmlformats.org/officeDocument/2006/relationships" xmlns:p="http://schemas.openxmlformats.org/presentationml/2006/main">
-  <p:cSld>
-    <p:spTree>
-      <p:nvGrpSpPr>
-        <p:cNvPr id="1" name=""/>
-        <p:cNvGrpSpPr/>
-        <p:nvPr/>
-      </p:nvGrpSpPr>
-      <p:grpSpPr>
-        <a:xfrm>
-          <a:off x="0" y="0"/>
-          <a:ext cx="0" cy="0"/>
-          <a:chOff x="0" y="0"/>
-          <a:chExt cx="0" cy="0"/>
-        </a:xfrm>
-      </p:grpSpPr>
-      <p:pic>
-        <p:nvPicPr>
-          <p:cNvPr id="3" name="Picture 2">
-            <a:extLst>
-              <a:ext uri="{FF2B5EF4-FFF2-40B4-BE49-F238E27FC236}">
-                <a16:creationId xmlns:a16="http://schemas.microsoft.com/office/drawing/2014/main" id="{4520AB6A-4A77-D5C1-C6F6-251194C2856B}"/>
-              </a:ext>
-            </a:extLst>
-          </p:cNvPr>
-          <p:cNvPicPr>
-            <a:picLocks noChangeAspect="1"/>
-          </p:cNvPicPr>
-          <p:nvPr/>
-        </p:nvPicPr>
-        <p:blipFill rotWithShape="1">
-          <a:blip r:embed="rId2"/>
-          <a:srcRect t="35311" b="4043"/>
-          <a:stretch/>
-        </p:blipFill>
-        <p:spPr>
-          <a:xfrm>
-            <a:off x="129321" y="3594537"/>
-            <a:ext cx="4699071" cy="2568137"/>
-          </a:xfrm>
-          <a:prstGeom prst="rect">
-            <a:avLst/>
-          </a:prstGeom>
-          <a:effectLst>
-            <a:outerShdw blurRad="50800" dist="38100" dir="2700000" algn="tl" rotWithShape="0">
-              <a:prstClr val="black">
-                <a:alpha val="40000"/>
-              </a:prstClr>
-            </a:outerShdw>
-          </a:effectLst>
-        </p:spPr>
-      </p:pic>
-      <p:pic>
-        <p:nvPicPr>
-          <p:cNvPr id="5" name="Picture 4">
-            <a:extLst>
-              <a:ext uri="{FF2B5EF4-FFF2-40B4-BE49-F238E27FC236}">
-                <a16:creationId xmlns:a16="http://schemas.microsoft.com/office/drawing/2014/main" id="{6B03C32E-C079-FB90-1C74-6D6515810445}"/>
-              </a:ext>
-            </a:extLst>
-          </p:cNvPr>
-          <p:cNvPicPr>
-            <a:picLocks noChangeAspect="1"/>
-          </p:cNvPicPr>
-          <p:nvPr/>
-        </p:nvPicPr>
-        <p:blipFill>
-          <a:blip r:embed="rId3"/>
-          <a:stretch>
-            <a:fillRect/>
-          </a:stretch>
-        </p:blipFill>
-        <p:spPr>
-          <a:xfrm>
-            <a:off x="129320" y="1391063"/>
-            <a:ext cx="8089769" cy="2037937"/>
-          </a:xfrm>
-          <a:prstGeom prst="rect">
-            <a:avLst/>
-          </a:prstGeom>
-          <a:effectLst>
-            <a:outerShdw blurRad="50800" dist="38100" dir="2700000" algn="tl" rotWithShape="0">
-              <a:prstClr val="black">
-                <a:alpha val="40000"/>
-              </a:prstClr>
-            </a:outerShdw>
-          </a:effectLst>
-        </p:spPr>
-      </p:pic>
-      <p:sp>
-        <p:nvSpPr>
-          <p:cNvPr id="8" name="TextBox 7">
-            <a:extLst>
-              <a:ext uri="{FF2B5EF4-FFF2-40B4-BE49-F238E27FC236}">
-                <a16:creationId xmlns:a16="http://schemas.microsoft.com/office/drawing/2014/main" id="{2CC06CB1-A2B0-CA52-63FC-72E34017E501}"/>
-              </a:ext>
-            </a:extLst>
-          </p:cNvPr>
-          <p:cNvSpPr txBox="1"/>
-          <p:nvPr/>
-        </p:nvSpPr>
-        <p:spPr>
-          <a:xfrm>
-            <a:off x="100256" y="322334"/>
-            <a:ext cx="6622775" cy="523220"/>
-          </a:xfrm>
-          <a:prstGeom prst="rect">
-            <a:avLst/>
-          </a:prstGeom>
-          <a:noFill/>
-        </p:spPr>
-        <p:txBody>
-          <a:bodyPr wrap="none" rtlCol="0">
-            <a:spAutoFit/>
-          </a:bodyPr>
-          <a:lstStyle/>
-          <a:p>
-            <a:r>
-              <a:rPr lang="en-IN" sz="2800" b="1" u="sng" dirty="0">
-                <a:latin typeface="Calibri" panose="020F0502020204030204" pitchFamily="34" charset="0"/>
-                <a:ea typeface="Calibri" panose="020F0502020204030204" pitchFamily="34" charset="0"/>
-                <a:cs typeface="Calibri" panose="020F0502020204030204" pitchFamily="34" charset="0"/>
-              </a:rPr>
-              <a:t>Speaker Embedding(with example wav file)</a:t>
-            </a:r>
-          </a:p>
-        </p:txBody>
-      </p:sp>
-      <p:sp>
-        <p:nvSpPr>
-          <p:cNvPr id="9" name="TextBox 8">
-            <a:extLst>
-              <a:ext uri="{FF2B5EF4-FFF2-40B4-BE49-F238E27FC236}">
-                <a16:creationId xmlns:a16="http://schemas.microsoft.com/office/drawing/2014/main" id="{FCE501C0-8D48-0E0E-F6CA-E2A39039CF0B}"/>
-              </a:ext>
-            </a:extLst>
-          </p:cNvPr>
-          <p:cNvSpPr txBox="1"/>
-          <p:nvPr/>
-        </p:nvSpPr>
-        <p:spPr>
-          <a:xfrm>
-            <a:off x="5615808" y="3594538"/>
-            <a:ext cx="5206561" cy="646331"/>
-          </a:xfrm>
-          <a:prstGeom prst="rect">
-            <a:avLst/>
-          </a:prstGeom>
-          <a:noFill/>
-        </p:spPr>
-        <p:txBody>
-          <a:bodyPr wrap="square" rtlCol="0">
-            <a:spAutoFit/>
-          </a:bodyPr>
-          <a:lstStyle/>
-          <a:p>
-            <a:r>
-              <a:rPr lang="en-US" dirty="0">
-                <a:latin typeface="Calibri" panose="020F0502020204030204" pitchFamily="34" charset="0"/>
-                <a:ea typeface="Calibri" panose="020F0502020204030204" pitchFamily="34" charset="0"/>
-                <a:cs typeface="Calibri" panose="020F0502020204030204" pitchFamily="34" charset="0"/>
-              </a:rPr>
-              <a:t>-  ‘</a:t>
-            </a:r>
-            <a:r>
-              <a:rPr lang="en-US" i="1" dirty="0" err="1">
-                <a:latin typeface="Calibri" panose="020F0502020204030204" pitchFamily="34" charset="0"/>
-                <a:ea typeface="Calibri" panose="020F0502020204030204" pitchFamily="34" charset="0"/>
-                <a:cs typeface="Calibri" panose="020F0502020204030204" pitchFamily="34" charset="0"/>
-              </a:rPr>
-              <a:t>Source_dir</a:t>
-            </a:r>
-            <a:r>
-              <a:rPr lang="en-US" dirty="0">
-                <a:latin typeface="Calibri" panose="020F0502020204030204" pitchFamily="34" charset="0"/>
-                <a:ea typeface="Calibri" panose="020F0502020204030204" pitchFamily="34" charset="0"/>
-                <a:cs typeface="Calibri" panose="020F0502020204030204" pitchFamily="34" charset="0"/>
-              </a:rPr>
-              <a:t>” contains the </a:t>
-            </a:r>
-            <a:r>
-              <a:rPr lang="en-US" dirty="0" err="1">
-                <a:latin typeface="Calibri" panose="020F0502020204030204" pitchFamily="34" charset="0"/>
-                <a:ea typeface="Calibri" panose="020F0502020204030204" pitchFamily="34" charset="0"/>
-                <a:cs typeface="Calibri" panose="020F0502020204030204" pitchFamily="34" charset="0"/>
-              </a:rPr>
-              <a:t>hyperparams.yaml</a:t>
-            </a:r>
-            <a:r>
-              <a:rPr lang="en-US" dirty="0">
-                <a:latin typeface="Calibri" panose="020F0502020204030204" pitchFamily="34" charset="0"/>
-                <a:ea typeface="Calibri" panose="020F0502020204030204" pitchFamily="34" charset="0"/>
-                <a:cs typeface="Calibri" panose="020F0502020204030204" pitchFamily="34" charset="0"/>
-              </a:rPr>
-              <a:t> file</a:t>
-            </a:r>
-          </a:p>
-          <a:p>
-            <a:r>
-              <a:rPr lang="en-IN" dirty="0">
-                <a:latin typeface="Calibri" panose="020F0502020204030204" pitchFamily="34" charset="0"/>
-                <a:ea typeface="Calibri" panose="020F0502020204030204" pitchFamily="34" charset="0"/>
-                <a:cs typeface="Calibri" panose="020F0502020204030204" pitchFamily="34" charset="0"/>
-              </a:rPr>
-              <a:t>-  The corresponding speaker embedded is calculated </a:t>
-            </a:r>
-          </a:p>
-        </p:txBody>
-      </p:sp>
-      <p:cxnSp>
-        <p:nvCxnSpPr>
-          <p:cNvPr id="10" name="Straight Arrow Connector 9">
-            <a:extLst>
-              <a:ext uri="{FF2B5EF4-FFF2-40B4-BE49-F238E27FC236}">
-                <a16:creationId xmlns:a16="http://schemas.microsoft.com/office/drawing/2014/main" id="{32331086-793F-7D42-59E0-615DF2C85CD4}"/>
-              </a:ext>
-            </a:extLst>
-          </p:cNvPr>
-          <p:cNvCxnSpPr>
-            <a:cxnSpLocks/>
-          </p:cNvCxnSpPr>
-          <p:nvPr/>
-        </p:nvCxnSpPr>
-        <p:spPr>
-          <a:xfrm flipH="1">
-            <a:off x="4912929" y="4222694"/>
-            <a:ext cx="1755228" cy="940731"/>
-          </a:xfrm>
-          <a:prstGeom prst="straightConnector1">
-            <a:avLst/>
-          </a:prstGeom>
-          <a:ln w="38100">
-            <a:solidFill>
-              <a:srgbClr val="00B0F0"/>
-            </a:solidFill>
-            <a:tailEnd type="triangle"/>
-          </a:ln>
-          <a:effectLst>
-            <a:outerShdw blurRad="50800" dist="38100" dir="2700000" algn="tl" rotWithShape="0">
-              <a:prstClr val="black">
-                <a:alpha val="40000"/>
-              </a:prstClr>
-            </a:outerShdw>
-          </a:effectLst>
-        </p:spPr>
-        <p:style>
-          <a:lnRef idx="1">
-            <a:schemeClr val="accent1"/>
-          </a:lnRef>
-          <a:fillRef idx="0">
-            <a:schemeClr val="accent1"/>
-          </a:fillRef>
-          <a:effectRef idx="0">
-            <a:schemeClr val="accent1"/>
-          </a:effectRef>
-          <a:fontRef idx="minor">
-            <a:schemeClr val="tx1"/>
-          </a:fontRef>
-        </p:style>
-      </p:cxnSp>
-      <p:pic>
-        <p:nvPicPr>
-          <p:cNvPr id="13" name="Picture 12">
-            <a:extLst>
-              <a:ext uri="{FF2B5EF4-FFF2-40B4-BE49-F238E27FC236}">
-                <a16:creationId xmlns:a16="http://schemas.microsoft.com/office/drawing/2014/main" id="{712DB58B-ADEB-EFEA-075F-294A2AE22023}"/>
-              </a:ext>
-            </a:extLst>
-          </p:cNvPr>
-          <p:cNvPicPr>
-            <a:picLocks noChangeAspect="1"/>
-          </p:cNvPicPr>
-          <p:nvPr/>
-        </p:nvPicPr>
-        <p:blipFill>
-          <a:blip r:embed="rId4">
-            <a:extLst>
-              <a:ext uri="{28A0092B-C50C-407E-A947-70E740481C1C}">
-                <a14:useLocalDpi xmlns:a14="http://schemas.microsoft.com/office/drawing/2010/main" val="0"/>
-              </a:ext>
-            </a:extLst>
-          </a:blip>
-          <a:stretch>
-            <a:fillRect/>
-          </a:stretch>
-        </p:blipFill>
-        <p:spPr>
-          <a:xfrm>
-            <a:off x="11351172" y="0"/>
-            <a:ext cx="840827" cy="881843"/>
-          </a:xfrm>
-          <a:prstGeom prst="rect">
-            <a:avLst/>
-          </a:prstGeom>
-        </p:spPr>
-      </p:pic>
-    </p:spTree>
-    <p:extLst>
-      <p:ext uri="{BB962C8B-B14F-4D97-AF65-F5344CB8AC3E}">
-        <p14:creationId xmlns:p14="http://schemas.microsoft.com/office/powerpoint/2010/main" val="2321439931"/>
-      </p:ext>
-    </p:extLst>
-  </p:cSld>
-  <p:clrMapOvr>
-    <a:masterClrMapping/>
-  </p:clrMapOvr>
-</p:sld>
-</file>
-
-<file path=ppt/slides/slide7.xml><?xml version="1.0" encoding="utf-8"?>
-<p:sld xmlns:a="http://schemas.openxmlformats.org/drawingml/2006/main" xmlns:r="http://schemas.openxmlformats.org/officeDocument/2006/relationships" xmlns:p="http://schemas.openxmlformats.org/presentationml/2006/main">
-  <p:cSld>
-    <p:spTree>
-      <p:nvGrpSpPr>
-        <p:cNvPr id="1" name=""/>
-        <p:cNvGrpSpPr/>
-        <p:nvPr/>
-      </p:nvGrpSpPr>
-      <p:grpSpPr>
-        <a:xfrm>
-          <a:off x="0" y="0"/>
-          <a:ext cx="0" cy="0"/>
-          <a:chOff x="0" y="0"/>
-          <a:chExt cx="0" cy="0"/>
-        </a:xfrm>
-      </p:grpSpPr>
-      <p:sp>
-        <p:nvSpPr>
-          <p:cNvPr id="4" name="TextBox 3">
-            <a:extLst>
-              <a:ext uri="{FF2B5EF4-FFF2-40B4-BE49-F238E27FC236}">
-                <a16:creationId xmlns:a16="http://schemas.microsoft.com/office/drawing/2014/main" id="{2C7EBA81-A87F-43CD-B39D-04F53124EBD0}"/>
-              </a:ext>
-            </a:extLst>
-          </p:cNvPr>
-          <p:cNvSpPr txBox="1"/>
-          <p:nvPr/>
-        </p:nvSpPr>
-        <p:spPr>
-          <a:xfrm>
-            <a:off x="5288134" y="4783592"/>
-            <a:ext cx="1930679" cy="369332"/>
-          </a:xfrm>
-          <a:prstGeom prst="rect">
-            <a:avLst/>
-          </a:prstGeom>
-          <a:noFill/>
-        </p:spPr>
-        <p:txBody>
-          <a:bodyPr wrap="square" rtlCol="0">
-            <a:spAutoFit/>
-          </a:bodyPr>
-          <a:lstStyle/>
-          <a:p>
-            <a:r>
-              <a:rPr lang="en-IN" dirty="0">
-                <a:latin typeface="Calibri" panose="020F0502020204030204" pitchFamily="34" charset="0"/>
-                <a:ea typeface="Calibri" panose="020F0502020204030204" pitchFamily="34" charset="0"/>
-                <a:cs typeface="Calibri" panose="020F0502020204030204" pitchFamily="34" charset="0"/>
-              </a:rPr>
-              <a:t>For same speaker</a:t>
-            </a:r>
-          </a:p>
-        </p:txBody>
-      </p:sp>
-      <p:sp>
-        <p:nvSpPr>
-          <p:cNvPr id="5" name="TextBox 4">
-            <a:extLst>
-              <a:ext uri="{FF2B5EF4-FFF2-40B4-BE49-F238E27FC236}">
-                <a16:creationId xmlns:a16="http://schemas.microsoft.com/office/drawing/2014/main" id="{AEFF07A5-B420-ED4B-DBA3-C7BC932F3039}"/>
-              </a:ext>
-            </a:extLst>
-          </p:cNvPr>
-          <p:cNvSpPr txBox="1"/>
-          <p:nvPr/>
-        </p:nvSpPr>
-        <p:spPr>
-          <a:xfrm>
-            <a:off x="5270005" y="5930624"/>
-            <a:ext cx="2335327" cy="369332"/>
-          </a:xfrm>
-          <a:prstGeom prst="rect">
-            <a:avLst/>
-          </a:prstGeom>
-          <a:noFill/>
-        </p:spPr>
-        <p:txBody>
-          <a:bodyPr wrap="square" rtlCol="0">
-            <a:spAutoFit/>
-          </a:bodyPr>
-          <a:lstStyle/>
-          <a:p>
-            <a:r>
-              <a:rPr lang="en-IN" dirty="0">
-                <a:latin typeface="Calibri" panose="020F0502020204030204" pitchFamily="34" charset="0"/>
-                <a:ea typeface="Calibri" panose="020F0502020204030204" pitchFamily="34" charset="0"/>
-                <a:cs typeface="Calibri" panose="020F0502020204030204" pitchFamily="34" charset="0"/>
-              </a:rPr>
-              <a:t>For different speakers</a:t>
-            </a:r>
-          </a:p>
-        </p:txBody>
-      </p:sp>
-      <p:sp>
-        <p:nvSpPr>
-          <p:cNvPr id="17" name="TextBox 16">
-            <a:extLst>
-              <a:ext uri="{FF2B5EF4-FFF2-40B4-BE49-F238E27FC236}">
-                <a16:creationId xmlns:a16="http://schemas.microsoft.com/office/drawing/2014/main" id="{5AAF59E4-E85D-15C0-81DB-A4C38A10F39B}"/>
-              </a:ext>
-            </a:extLst>
-          </p:cNvPr>
-          <p:cNvSpPr txBox="1"/>
-          <p:nvPr/>
-        </p:nvSpPr>
-        <p:spPr>
-          <a:xfrm>
-            <a:off x="341586" y="315362"/>
-            <a:ext cx="6777496" cy="523220"/>
-          </a:xfrm>
-          <a:prstGeom prst="rect">
-            <a:avLst/>
-          </a:prstGeom>
-          <a:noFill/>
-        </p:spPr>
-        <p:txBody>
-          <a:bodyPr wrap="none" rtlCol="0">
-            <a:spAutoFit/>
-          </a:bodyPr>
-          <a:lstStyle/>
-          <a:p>
-            <a:r>
-              <a:rPr lang="en-IN" sz="2800" b="1" u="sng" dirty="0">
-                <a:latin typeface="Calibri" panose="020F0502020204030204" pitchFamily="34" charset="0"/>
-                <a:ea typeface="Calibri" panose="020F0502020204030204" pitchFamily="34" charset="0"/>
-                <a:cs typeface="Calibri" panose="020F0502020204030204" pitchFamily="34" charset="0"/>
-              </a:rPr>
-              <a:t>Speaker verification(with example wav files)</a:t>
-            </a:r>
-          </a:p>
-        </p:txBody>
-      </p:sp>
-      <p:pic>
-        <p:nvPicPr>
-          <p:cNvPr id="18" name="Picture 17">
-            <a:extLst>
-              <a:ext uri="{FF2B5EF4-FFF2-40B4-BE49-F238E27FC236}">
-                <a16:creationId xmlns:a16="http://schemas.microsoft.com/office/drawing/2014/main" id="{36383430-628F-A4CD-EB87-0C7020F2ED9D}"/>
-              </a:ext>
-            </a:extLst>
-          </p:cNvPr>
-          <p:cNvPicPr>
-            <a:picLocks noChangeAspect="1"/>
-          </p:cNvPicPr>
-          <p:nvPr/>
-        </p:nvPicPr>
-        <p:blipFill>
-          <a:blip r:embed="rId2">
-            <a:extLst>
-              <a:ext uri="{28A0092B-C50C-407E-A947-70E740481C1C}">
-                <a14:useLocalDpi xmlns:a14="http://schemas.microsoft.com/office/drawing/2010/main" val="0"/>
-              </a:ext>
-            </a:extLst>
-          </a:blip>
-          <a:stretch>
-            <a:fillRect/>
-          </a:stretch>
-        </p:blipFill>
-        <p:spPr>
-          <a:xfrm>
-            <a:off x="11351172" y="0"/>
-            <a:ext cx="840827" cy="881843"/>
-          </a:xfrm>
-          <a:prstGeom prst="rect">
-            <a:avLst/>
-          </a:prstGeom>
-        </p:spPr>
-      </p:pic>
-      <p:pic>
-        <p:nvPicPr>
-          <p:cNvPr id="20" name="Picture 19">
-            <a:extLst>
-              <a:ext uri="{FF2B5EF4-FFF2-40B4-BE49-F238E27FC236}">
-                <a16:creationId xmlns:a16="http://schemas.microsoft.com/office/drawing/2014/main" id="{3727E63F-EB9C-6E88-6360-83EA20931D26}"/>
-              </a:ext>
-            </a:extLst>
-          </p:cNvPr>
-          <p:cNvPicPr>
-            <a:picLocks noChangeAspect="1"/>
-          </p:cNvPicPr>
-          <p:nvPr/>
-        </p:nvPicPr>
-        <p:blipFill>
-          <a:blip r:embed="rId3"/>
-          <a:stretch>
-            <a:fillRect/>
-          </a:stretch>
-        </p:blipFill>
-        <p:spPr>
-          <a:xfrm>
-            <a:off x="1106395" y="5003827"/>
-            <a:ext cx="3333981" cy="967266"/>
-          </a:xfrm>
-          <a:prstGeom prst="rect">
-            <a:avLst/>
-          </a:prstGeom>
-        </p:spPr>
-      </p:pic>
-      <p:sp>
-        <p:nvSpPr>
-          <p:cNvPr id="15" name="Rectangle 14">
-            <a:extLst>
-              <a:ext uri="{FF2B5EF4-FFF2-40B4-BE49-F238E27FC236}">
-                <a16:creationId xmlns:a16="http://schemas.microsoft.com/office/drawing/2014/main" id="{D79C8570-9840-9AD3-B44A-B94B0874A199}"/>
-              </a:ext>
-            </a:extLst>
-          </p:cNvPr>
-          <p:cNvSpPr/>
-          <p:nvPr/>
-        </p:nvSpPr>
-        <p:spPr>
-          <a:xfrm>
-            <a:off x="883640" y="5534189"/>
-            <a:ext cx="3825766" cy="354804"/>
-          </a:xfrm>
-          <a:prstGeom prst="rect">
-            <a:avLst/>
-          </a:prstGeom>
-          <a:noFill/>
-          <a:ln w="28575">
-            <a:solidFill>
-              <a:srgbClr val="7030A0"/>
-            </a:solidFill>
-          </a:ln>
-          <a:effectLst>
-            <a:outerShdw blurRad="50800" dist="38100" dir="2700000" algn="tl" rotWithShape="0">
-              <a:prstClr val="black">
-                <a:alpha val="40000"/>
-              </a:prstClr>
-            </a:outerShdw>
-          </a:effectLst>
-        </p:spPr>
-        <p:style>
-          <a:lnRef idx="2">
-            <a:schemeClr val="accent6"/>
-          </a:lnRef>
-          <a:fillRef idx="1">
-            <a:schemeClr val="lt1"/>
-          </a:fillRef>
-          <a:effectRef idx="0">
-            <a:schemeClr val="accent6"/>
-          </a:effectRef>
-          <a:fontRef idx="minor">
-            <a:schemeClr val="dk1"/>
-          </a:fontRef>
-        </p:style>
-        <p:txBody>
-          <a:bodyPr rtlCol="0" anchor="ctr"/>
-          <a:lstStyle/>
-          <a:p>
-            <a:pPr algn="ctr"/>
-            <a:endParaRPr lang="en-IN"/>
-          </a:p>
-        </p:txBody>
-      </p:sp>
-      <p:sp>
-        <p:nvSpPr>
-          <p:cNvPr id="14" name="Rectangle 13">
-            <a:extLst>
-              <a:ext uri="{FF2B5EF4-FFF2-40B4-BE49-F238E27FC236}">
-                <a16:creationId xmlns:a16="http://schemas.microsoft.com/office/drawing/2014/main" id="{05FAC1A1-BCEF-8D3C-1827-34B9C618A892}"/>
-              </a:ext>
-            </a:extLst>
-          </p:cNvPr>
-          <p:cNvSpPr/>
-          <p:nvPr/>
-        </p:nvSpPr>
-        <p:spPr>
-          <a:xfrm>
-            <a:off x="883640" y="5082162"/>
-            <a:ext cx="3825766" cy="354805"/>
-          </a:xfrm>
-          <a:prstGeom prst="rect">
-            <a:avLst/>
-          </a:prstGeom>
-          <a:noFill/>
-          <a:ln w="28575">
-            <a:solidFill>
-              <a:srgbClr val="00B050"/>
-            </a:solidFill>
-          </a:ln>
-          <a:effectLst>
-            <a:outerShdw blurRad="50800" dist="38100" dir="2700000" algn="tl" rotWithShape="0">
-              <a:prstClr val="black">
-                <a:alpha val="40000"/>
-              </a:prstClr>
-            </a:outerShdw>
-          </a:effectLst>
-        </p:spPr>
-        <p:style>
-          <a:lnRef idx="2">
-            <a:schemeClr val="accent6"/>
-          </a:lnRef>
-          <a:fillRef idx="1">
-            <a:schemeClr val="lt1"/>
-          </a:fillRef>
-          <a:effectRef idx="0">
-            <a:schemeClr val="accent6"/>
-          </a:effectRef>
-          <a:fontRef idx="minor">
-            <a:schemeClr val="dk1"/>
-          </a:fontRef>
-        </p:style>
-        <p:txBody>
-          <a:bodyPr rtlCol="0" anchor="ctr"/>
-          <a:lstStyle/>
-          <a:p>
-            <a:pPr algn="ctr"/>
-            <a:endParaRPr lang="en-IN"/>
-          </a:p>
-        </p:txBody>
-      </p:sp>
-      <p:cxnSp>
-        <p:nvCxnSpPr>
-          <p:cNvPr id="6" name="Straight Arrow Connector 5">
-            <a:extLst>
-              <a:ext uri="{FF2B5EF4-FFF2-40B4-BE49-F238E27FC236}">
-                <a16:creationId xmlns:a16="http://schemas.microsoft.com/office/drawing/2014/main" id="{D5CF1384-DA67-2FBB-9E44-619CF6C4297B}"/>
-              </a:ext>
-            </a:extLst>
-          </p:cNvPr>
-          <p:cNvCxnSpPr>
-            <a:cxnSpLocks/>
-          </p:cNvCxnSpPr>
-          <p:nvPr/>
-        </p:nvCxnSpPr>
-        <p:spPr>
-          <a:xfrm flipH="1">
-            <a:off x="4860231" y="4968258"/>
-            <a:ext cx="427903" cy="290093"/>
-          </a:xfrm>
-          <a:prstGeom prst="straightConnector1">
-            <a:avLst/>
-          </a:prstGeom>
-          <a:ln w="38100">
-            <a:solidFill>
-              <a:srgbClr val="00B050"/>
-            </a:solidFill>
-            <a:tailEnd type="triangle"/>
-          </a:ln>
-          <a:effectLst>
-            <a:outerShdw blurRad="50800" dist="38100" dir="2700000" algn="tl" rotWithShape="0">
-              <a:prstClr val="black">
-                <a:alpha val="40000"/>
-              </a:prstClr>
-            </a:outerShdw>
-          </a:effectLst>
-        </p:spPr>
-        <p:style>
-          <a:lnRef idx="1">
-            <a:schemeClr val="accent1"/>
-          </a:lnRef>
-          <a:fillRef idx="0">
-            <a:schemeClr val="accent1"/>
-          </a:fillRef>
-          <a:effectRef idx="0">
-            <a:schemeClr val="accent1"/>
-          </a:effectRef>
-          <a:fontRef idx="minor">
-            <a:schemeClr val="tx1"/>
-          </a:fontRef>
-        </p:style>
-      </p:cxnSp>
-      <p:cxnSp>
-        <p:nvCxnSpPr>
-          <p:cNvPr id="11" name="Straight Arrow Connector 10">
-            <a:extLst>
-              <a:ext uri="{FF2B5EF4-FFF2-40B4-BE49-F238E27FC236}">
-                <a16:creationId xmlns:a16="http://schemas.microsoft.com/office/drawing/2014/main" id="{F1840B06-5008-B31B-831A-DAA86BC55543}"/>
-              </a:ext>
-            </a:extLst>
-          </p:cNvPr>
-          <p:cNvCxnSpPr>
-            <a:cxnSpLocks/>
-          </p:cNvCxnSpPr>
-          <p:nvPr/>
-        </p:nvCxnSpPr>
-        <p:spPr>
-          <a:xfrm flipH="1" flipV="1">
-            <a:off x="4861933" y="5827628"/>
-            <a:ext cx="427903" cy="290093"/>
-          </a:xfrm>
-          <a:prstGeom prst="straightConnector1">
-            <a:avLst/>
-          </a:prstGeom>
-          <a:ln w="38100">
-            <a:solidFill>
-              <a:srgbClr val="7030A0"/>
-            </a:solidFill>
-            <a:tailEnd type="triangle"/>
-          </a:ln>
-          <a:effectLst>
-            <a:outerShdw blurRad="50800" dist="38100" dir="2700000" algn="tl" rotWithShape="0">
-              <a:prstClr val="black">
-                <a:alpha val="40000"/>
-              </a:prstClr>
-            </a:outerShdw>
-          </a:effectLst>
-        </p:spPr>
-        <p:style>
-          <a:lnRef idx="1">
-            <a:schemeClr val="accent1"/>
-          </a:lnRef>
-          <a:fillRef idx="0">
-            <a:schemeClr val="accent1"/>
-          </a:fillRef>
-          <a:effectRef idx="0">
-            <a:schemeClr val="accent1"/>
-          </a:effectRef>
-          <a:fontRef idx="minor">
-            <a:schemeClr val="tx1"/>
-          </a:fontRef>
-        </p:style>
-      </p:cxnSp>
-      <p:sp>
-        <p:nvSpPr>
-          <p:cNvPr id="2" name="TextBox 1">
-            <a:extLst>
-              <a:ext uri="{FF2B5EF4-FFF2-40B4-BE49-F238E27FC236}">
-                <a16:creationId xmlns:a16="http://schemas.microsoft.com/office/drawing/2014/main" id="{96152CC7-4B57-DD9A-1705-84C758231B99}"/>
-              </a:ext>
-            </a:extLst>
-          </p:cNvPr>
-          <p:cNvSpPr txBox="1"/>
-          <p:nvPr/>
-        </p:nvSpPr>
-        <p:spPr>
-          <a:xfrm>
-            <a:off x="8123563" y="4770764"/>
-            <a:ext cx="3427306" cy="923330"/>
-          </a:xfrm>
-          <a:prstGeom prst="rect">
-            <a:avLst/>
-          </a:prstGeom>
-          <a:noFill/>
-        </p:spPr>
-        <p:txBody>
-          <a:bodyPr wrap="square" rtlCol="0">
-            <a:spAutoFit/>
-          </a:bodyPr>
-          <a:lstStyle/>
-          <a:p>
-            <a:r>
-              <a:rPr lang="en-IN" dirty="0">
-                <a:latin typeface="Calibri" panose="020F0502020204030204" pitchFamily="34" charset="0"/>
-                <a:ea typeface="Calibri" panose="020F0502020204030204" pitchFamily="34" charset="0"/>
-                <a:cs typeface="Calibri" panose="020F0502020204030204" pitchFamily="34" charset="0"/>
-              </a:rPr>
-              <a:t>The prediction will be </a:t>
-            </a:r>
-            <a:r>
-              <a:rPr lang="en-IN" b="1" dirty="0">
-                <a:latin typeface="Calibri" panose="020F0502020204030204" pitchFamily="34" charset="0"/>
-                <a:ea typeface="Calibri" panose="020F0502020204030204" pitchFamily="34" charset="0"/>
-                <a:cs typeface="Calibri" panose="020F0502020204030204" pitchFamily="34" charset="0"/>
-              </a:rPr>
-              <a:t>True</a:t>
-            </a:r>
-            <a:r>
-              <a:rPr lang="en-IN" dirty="0">
-                <a:latin typeface="Calibri" panose="020F0502020204030204" pitchFamily="34" charset="0"/>
-                <a:ea typeface="Calibri" panose="020F0502020204030204" pitchFamily="34" charset="0"/>
-                <a:cs typeface="Calibri" panose="020F0502020204030204" pitchFamily="34" charset="0"/>
-              </a:rPr>
-              <a:t> for the same speakers and </a:t>
-            </a:r>
-            <a:r>
-              <a:rPr lang="en-IN" b="1" dirty="0">
-                <a:latin typeface="Calibri" panose="020F0502020204030204" pitchFamily="34" charset="0"/>
-                <a:ea typeface="Calibri" panose="020F0502020204030204" pitchFamily="34" charset="0"/>
-                <a:cs typeface="Calibri" panose="020F0502020204030204" pitchFamily="34" charset="0"/>
-              </a:rPr>
-              <a:t>False</a:t>
-            </a:r>
-            <a:r>
-              <a:rPr lang="en-IN" dirty="0">
-                <a:latin typeface="Calibri" panose="020F0502020204030204" pitchFamily="34" charset="0"/>
-                <a:ea typeface="Calibri" panose="020F0502020204030204" pitchFamily="34" charset="0"/>
-                <a:cs typeface="Calibri" panose="020F0502020204030204" pitchFamily="34" charset="0"/>
-              </a:rPr>
-              <a:t> for different speakers</a:t>
-            </a:r>
-          </a:p>
-        </p:txBody>
-      </p:sp>
-      <p:pic>
-        <p:nvPicPr>
-          <p:cNvPr id="8" name="Picture 7">
-            <a:extLst>
-              <a:ext uri="{FF2B5EF4-FFF2-40B4-BE49-F238E27FC236}">
-                <a16:creationId xmlns:a16="http://schemas.microsoft.com/office/drawing/2014/main" id="{94A2C4A5-9112-4547-C0E8-BE88FE696CD0}"/>
-              </a:ext>
-            </a:extLst>
-          </p:cNvPr>
-          <p:cNvPicPr>
-            <a:picLocks noChangeAspect="1"/>
-          </p:cNvPicPr>
-          <p:nvPr/>
-        </p:nvPicPr>
-        <p:blipFill>
-          <a:blip r:embed="rId4"/>
-          <a:stretch>
-            <a:fillRect/>
-          </a:stretch>
-        </p:blipFill>
-        <p:spPr>
-          <a:xfrm>
-            <a:off x="458375" y="962415"/>
-            <a:ext cx="7211431" cy="3477110"/>
-          </a:xfrm>
-          <a:prstGeom prst="rect">
-            <a:avLst/>
-          </a:prstGeom>
-        </p:spPr>
-      </p:pic>
-    </p:spTree>
-    <p:extLst>
-      <p:ext uri="{BB962C8B-B14F-4D97-AF65-F5344CB8AC3E}">
-        <p14:creationId xmlns:p14="http://schemas.microsoft.com/office/powerpoint/2010/main" val="3071218504"/>
-      </p:ext>
-    </p:extLst>
-  </p:cSld>
-  <p:clrMapOvr>
-    <a:masterClrMapping/>
-  </p:clrMapOvr>
-</p:sld>
-</file>
-
-<file path=ppt/slides/slide8.xml><?xml version="1.0" encoding="utf-8"?>
-<p:sld xmlns:a="http://schemas.openxmlformats.org/drawingml/2006/main" xmlns:r="http://schemas.openxmlformats.org/officeDocument/2006/relationships" xmlns:p="http://schemas.openxmlformats.org/presentationml/2006/main">
-  <p:cSld>
-    <p:spTree>
-      <p:nvGrpSpPr>
-        <p:cNvPr id="1" name=""/>
-        <p:cNvGrpSpPr/>
-        <p:nvPr/>
-      </p:nvGrpSpPr>
-      <p:grpSpPr>
-        <a:xfrm>
-          <a:off x="0" y="0"/>
-          <a:ext cx="0" cy="0"/>
-          <a:chOff x="0" y="0"/>
-          <a:chExt cx="0" cy="0"/>
-        </a:xfrm>
-      </p:grpSpPr>
-      <p:sp>
-        <p:nvSpPr>
-          <p:cNvPr id="2" name="TextBox 1">
-            <a:extLst>
-              <a:ext uri="{FF2B5EF4-FFF2-40B4-BE49-F238E27FC236}">
-                <a16:creationId xmlns:a16="http://schemas.microsoft.com/office/drawing/2014/main" id="{159A6DFD-9A36-765E-ED76-852819798ABD}"/>
-              </a:ext>
-            </a:extLst>
-          </p:cNvPr>
-          <p:cNvSpPr txBox="1"/>
-          <p:nvPr/>
-        </p:nvSpPr>
-        <p:spPr>
-          <a:xfrm>
-            <a:off x="4215634" y="3044279"/>
-            <a:ext cx="3051942" cy="769441"/>
-          </a:xfrm>
-          <a:prstGeom prst="rect">
-            <a:avLst/>
-          </a:prstGeom>
-          <a:noFill/>
-        </p:spPr>
-        <p:txBody>
-          <a:bodyPr wrap="square" rtlCol="0">
-            <a:spAutoFit/>
-          </a:bodyPr>
-          <a:lstStyle/>
-          <a:p>
-            <a:pPr algn="l"/>
-            <a:r>
-              <a:rPr lang="en-US" sz="4400" b="1" i="0" dirty="0">
-                <a:solidFill>
-                  <a:srgbClr val="1D2125"/>
-                </a:solidFill>
-                <a:effectLst/>
-                <a:latin typeface="Calibri" panose="020F0502020204030204" pitchFamily="34" charset="0"/>
-                <a:ea typeface="Calibri" panose="020F0502020204030204" pitchFamily="34" charset="0"/>
-                <a:cs typeface="Calibri" panose="020F0502020204030204" pitchFamily="34" charset="0"/>
-              </a:rPr>
-              <a:t>THANK YOU</a:t>
-            </a:r>
-          </a:p>
-        </p:txBody>
-      </p:sp>
-    </p:spTree>
-    <p:extLst>
-      <p:ext uri="{BB962C8B-B14F-4D97-AF65-F5344CB8AC3E}">
-        <p14:creationId xmlns:p14="http://schemas.microsoft.com/office/powerpoint/2010/main" val="2838313919"/>
-      </p:ext>
-    </p:extLst>
-  </p:cSld>
-  <p:clrMapOvr>
-    <a:masterClrMapping/>
-  </p:clrMapOvr>
-</p:sld>
-</file>
-
-<file path=ppt/slides/slide9.xml><?xml version="1.0" encoding="utf-8"?>
+<file path=ppt/slides/slide10.xml><?xml version="1.0" encoding="utf-8"?>
 <p:sld xmlns:a="http://schemas.openxmlformats.org/drawingml/2006/main" xmlns:r="http://schemas.openxmlformats.org/officeDocument/2006/relationships" xmlns:p="http://schemas.openxmlformats.org/presentationml/2006/main">
   <p:cSld>
     <p:spTree>
@@ -7729,6 +5243,2207 @@
       </p:par>
     </p:tnLst>
   </p:timing>
+</p:sld>
+</file>
+
+<file path=ppt/slides/slide2.xml><?xml version="1.0" encoding="utf-8"?>
+<p:sld xmlns:a="http://schemas.openxmlformats.org/drawingml/2006/main" xmlns:r="http://schemas.openxmlformats.org/officeDocument/2006/relationships" xmlns:p="http://schemas.openxmlformats.org/presentationml/2006/main">
+  <p:cSld>
+    <p:spTree>
+      <p:nvGrpSpPr>
+        <p:cNvPr id="1" name=""/>
+        <p:cNvGrpSpPr/>
+        <p:nvPr/>
+      </p:nvGrpSpPr>
+      <p:grpSpPr>
+        <a:xfrm>
+          <a:off x="0" y="0"/>
+          <a:ext cx="0" cy="0"/>
+          <a:chOff x="0" y="0"/>
+          <a:chExt cx="0" cy="0"/>
+        </a:xfrm>
+      </p:grpSpPr>
+      <p:sp>
+        <p:nvSpPr>
+          <p:cNvPr id="6" name="TextBox 5">
+            <a:extLst>
+              <a:ext uri="{FF2B5EF4-FFF2-40B4-BE49-F238E27FC236}">
+                <a16:creationId xmlns:a16="http://schemas.microsoft.com/office/drawing/2014/main" id="{34FB3F4E-187E-60C2-8D38-82F493229295}"/>
+              </a:ext>
+            </a:extLst>
+          </p:cNvPr>
+          <p:cNvSpPr txBox="1"/>
+          <p:nvPr/>
+        </p:nvSpPr>
+        <p:spPr>
+          <a:xfrm>
+            <a:off x="127108" y="2864525"/>
+            <a:ext cx="5475891" cy="1323439"/>
+          </a:xfrm>
+          <a:prstGeom prst="rect">
+            <a:avLst/>
+          </a:prstGeom>
+          <a:noFill/>
+        </p:spPr>
+        <p:txBody>
+          <a:bodyPr wrap="square" rtlCol="0">
+            <a:spAutoFit/>
+          </a:bodyPr>
+          <a:lstStyle/>
+          <a:p>
+            <a:pPr marL="285750" indent="-285750">
+              <a:buFontTx/>
+              <a:buChar char="-"/>
+            </a:pPr>
+            <a:r>
+              <a:rPr lang="en-IN" sz="1600" dirty="0">
+                <a:cs typeface="Times New Roman" panose="02020603050405020304" pitchFamily="18" charset="0"/>
+              </a:rPr>
+              <a:t>Consist of </a:t>
+            </a:r>
+            <a:r>
+              <a:rPr lang="en-IN" sz="1600" b="1" dirty="0">
+                <a:cs typeface="Times New Roman" panose="02020603050405020304" pitchFamily="18" charset="0"/>
+              </a:rPr>
+              <a:t>1251 speakers </a:t>
+            </a:r>
+            <a:r>
+              <a:rPr lang="en-IN" sz="1600" dirty="0">
+                <a:cs typeface="Times New Roman" panose="02020603050405020304" pitchFamily="18" charset="0"/>
+              </a:rPr>
+              <a:t>(55% Male) with </a:t>
+            </a:r>
+            <a:r>
+              <a:rPr lang="en-IN" sz="1600" b="1" dirty="0">
+                <a:cs typeface="Times New Roman" panose="02020603050405020304" pitchFamily="18" charset="0"/>
+              </a:rPr>
+              <a:t>352 hours </a:t>
+            </a:r>
+            <a:r>
+              <a:rPr lang="en-IN" sz="1600" dirty="0">
+                <a:cs typeface="Times New Roman" panose="02020603050405020304" pitchFamily="18" charset="0"/>
+              </a:rPr>
+              <a:t>of data</a:t>
+            </a:r>
+          </a:p>
+          <a:p>
+            <a:pPr marL="285750" indent="-285750">
+              <a:buFontTx/>
+              <a:buChar char="-"/>
+            </a:pPr>
+            <a:r>
+              <a:rPr lang="en-IN" sz="1600" b="0" i="0" dirty="0">
+                <a:effectLst/>
+                <a:cs typeface="Times New Roman" panose="02020603050405020304" pitchFamily="18" charset="0"/>
+              </a:rPr>
+              <a:t>Total Utterance - 153,516</a:t>
+            </a:r>
+          </a:p>
+          <a:p>
+            <a:pPr marL="285750" indent="-285750">
+              <a:buFontTx/>
+              <a:buChar char="-"/>
+            </a:pPr>
+            <a:r>
+              <a:rPr lang="en-IN" sz="1600" dirty="0">
+                <a:cs typeface="Times New Roman" panose="02020603050405020304" pitchFamily="18" charset="0"/>
+              </a:rPr>
+              <a:t>Train, Dev </a:t>
+            </a:r>
+            <a:r>
+              <a:rPr lang="en-IN" sz="1600" b="0" i="0" dirty="0">
+                <a:effectLst/>
+                <a:cs typeface="Times New Roman" panose="02020603050405020304" pitchFamily="18" charset="0"/>
+              </a:rPr>
+              <a:t>Utterance</a:t>
+            </a:r>
+            <a:r>
+              <a:rPr lang="en-IN" sz="1600" dirty="0">
+                <a:cs typeface="Times New Roman" panose="02020603050405020304" pitchFamily="18" charset="0"/>
+              </a:rPr>
+              <a:t> - </a:t>
+            </a:r>
+            <a:r>
+              <a:rPr lang="en-IN" sz="1600" b="0" i="0" dirty="0">
+                <a:effectLst/>
+                <a:cs typeface="Times New Roman" panose="02020603050405020304" pitchFamily="18" charset="0"/>
+              </a:rPr>
+              <a:t>148,642 &amp; Test Utterance – 4874</a:t>
+            </a:r>
+          </a:p>
+          <a:p>
+            <a:pPr marL="285750" indent="-285750">
+              <a:buFontTx/>
+              <a:buChar char="-"/>
+            </a:pPr>
+            <a:r>
+              <a:rPr lang="en-IN" sz="1600" dirty="0">
+                <a:cs typeface="Times New Roman" panose="02020603050405020304" pitchFamily="18" charset="0"/>
+              </a:rPr>
+              <a:t>1211 were taken for training and 40 speakers data as testing/verification</a:t>
+            </a:r>
+          </a:p>
+        </p:txBody>
+      </p:sp>
+      <p:sp>
+        <p:nvSpPr>
+          <p:cNvPr id="9" name="TextBox 8">
+            <a:extLst>
+              <a:ext uri="{FF2B5EF4-FFF2-40B4-BE49-F238E27FC236}">
+                <a16:creationId xmlns:a16="http://schemas.microsoft.com/office/drawing/2014/main" id="{2E97DABE-2814-C77E-67DE-8F0EE1386C67}"/>
+              </a:ext>
+            </a:extLst>
+          </p:cNvPr>
+          <p:cNvSpPr txBox="1"/>
+          <p:nvPr/>
+        </p:nvSpPr>
+        <p:spPr>
+          <a:xfrm>
+            <a:off x="316864" y="2332094"/>
+            <a:ext cx="1331134" cy="523220"/>
+          </a:xfrm>
+          <a:prstGeom prst="rect">
+            <a:avLst/>
+          </a:prstGeom>
+          <a:noFill/>
+        </p:spPr>
+        <p:txBody>
+          <a:bodyPr wrap="none" rtlCol="0">
+            <a:spAutoFit/>
+          </a:bodyPr>
+          <a:lstStyle/>
+          <a:p>
+            <a:r>
+              <a:rPr lang="en-IN" sz="2800" b="1" u="sng" dirty="0">
+                <a:cs typeface="Times New Roman" panose="02020603050405020304" pitchFamily="18" charset="0"/>
+              </a:rPr>
+              <a:t>Dataset</a:t>
+            </a:r>
+          </a:p>
+        </p:txBody>
+      </p:sp>
+      <p:sp>
+        <p:nvSpPr>
+          <p:cNvPr id="10" name="TextBox 9">
+            <a:extLst>
+              <a:ext uri="{FF2B5EF4-FFF2-40B4-BE49-F238E27FC236}">
+                <a16:creationId xmlns:a16="http://schemas.microsoft.com/office/drawing/2014/main" id="{331F2751-8626-E251-899F-BC89DF91DFBA}"/>
+              </a:ext>
+            </a:extLst>
+          </p:cNvPr>
+          <p:cNvSpPr txBox="1"/>
+          <p:nvPr/>
+        </p:nvSpPr>
+        <p:spPr>
+          <a:xfrm>
+            <a:off x="1928878" y="5684454"/>
+            <a:ext cx="3779455" cy="584775"/>
+          </a:xfrm>
+          <a:prstGeom prst="rect">
+            <a:avLst/>
+          </a:prstGeom>
+          <a:noFill/>
+        </p:spPr>
+        <p:txBody>
+          <a:bodyPr wrap="square" rtlCol="0">
+            <a:spAutoFit/>
+          </a:bodyPr>
+          <a:lstStyle/>
+          <a:p>
+            <a:r>
+              <a:rPr lang="en-US" sz="1600" dirty="0">
+                <a:cs typeface="Times New Roman" panose="02020603050405020304" pitchFamily="18" charset="0"/>
+              </a:rPr>
+              <a:t>Since </a:t>
+            </a:r>
+            <a:r>
+              <a:rPr lang="en-US" sz="1600" dirty="0" err="1">
+                <a:cs typeface="Times New Roman" panose="02020603050405020304" pitchFamily="18" charset="0"/>
+              </a:rPr>
+              <a:t>VoxCeleb</a:t>
+            </a:r>
+            <a:r>
+              <a:rPr lang="en-US" sz="1600" dirty="0">
+                <a:cs typeface="Times New Roman" panose="02020603050405020304" pitchFamily="18" charset="0"/>
+              </a:rPr>
+              <a:t> -1 dataset were taken, 1211 chosen as the output neuron</a:t>
+            </a:r>
+            <a:endParaRPr lang="en-IN" sz="1600" dirty="0">
+              <a:cs typeface="Times New Roman" panose="02020603050405020304" pitchFamily="18" charset="0"/>
+            </a:endParaRPr>
+          </a:p>
+        </p:txBody>
+      </p:sp>
+      <p:pic>
+        <p:nvPicPr>
+          <p:cNvPr id="3" name="Picture 2">
+            <a:extLst>
+              <a:ext uri="{FF2B5EF4-FFF2-40B4-BE49-F238E27FC236}">
+                <a16:creationId xmlns:a16="http://schemas.microsoft.com/office/drawing/2014/main" id="{DF07EA6A-D997-7523-B84F-255844B6B2E7}"/>
+              </a:ext>
+            </a:extLst>
+          </p:cNvPr>
+          <p:cNvPicPr>
+            <a:picLocks noChangeAspect="1"/>
+          </p:cNvPicPr>
+          <p:nvPr/>
+        </p:nvPicPr>
+        <p:blipFill>
+          <a:blip r:embed="rId2"/>
+          <a:stretch>
+            <a:fillRect/>
+          </a:stretch>
+        </p:blipFill>
+        <p:spPr>
+          <a:xfrm>
+            <a:off x="6263357" y="2277935"/>
+            <a:ext cx="5801535" cy="3820058"/>
+          </a:xfrm>
+          <a:prstGeom prst="rect">
+            <a:avLst/>
+          </a:prstGeom>
+          <a:effectLst>
+            <a:outerShdw blurRad="50800" dist="38100" dir="2700000" algn="tl" rotWithShape="0">
+              <a:prstClr val="black">
+                <a:alpha val="40000"/>
+              </a:prstClr>
+            </a:outerShdw>
+          </a:effectLst>
+        </p:spPr>
+      </p:pic>
+      <p:sp>
+        <p:nvSpPr>
+          <p:cNvPr id="4" name="TextBox 3">
+            <a:extLst>
+              <a:ext uri="{FF2B5EF4-FFF2-40B4-BE49-F238E27FC236}">
+                <a16:creationId xmlns:a16="http://schemas.microsoft.com/office/drawing/2014/main" id="{2F618A6F-B4AF-2E84-06A2-217D6BBA0BE0}"/>
+              </a:ext>
+            </a:extLst>
+          </p:cNvPr>
+          <p:cNvSpPr txBox="1"/>
+          <p:nvPr/>
+        </p:nvSpPr>
+        <p:spPr>
+          <a:xfrm>
+            <a:off x="76927" y="588771"/>
+            <a:ext cx="3142142" cy="523220"/>
+          </a:xfrm>
+          <a:prstGeom prst="rect">
+            <a:avLst/>
+          </a:prstGeom>
+          <a:noFill/>
+        </p:spPr>
+        <p:txBody>
+          <a:bodyPr wrap="none" rtlCol="0">
+            <a:spAutoFit/>
+          </a:bodyPr>
+          <a:lstStyle/>
+          <a:p>
+            <a:r>
+              <a:rPr lang="en-IN" sz="2800" b="1" u="sng" dirty="0">
+                <a:cs typeface="Times New Roman" panose="02020603050405020304" pitchFamily="18" charset="0"/>
+              </a:rPr>
+              <a:t>Problem Statement</a:t>
+            </a:r>
+          </a:p>
+        </p:txBody>
+      </p:sp>
+      <p:sp>
+        <p:nvSpPr>
+          <p:cNvPr id="5" name="TextBox 4">
+            <a:extLst>
+              <a:ext uri="{FF2B5EF4-FFF2-40B4-BE49-F238E27FC236}">
+                <a16:creationId xmlns:a16="http://schemas.microsoft.com/office/drawing/2014/main" id="{DA2CB911-13B8-9408-C0EE-34EAB7AA61CC}"/>
+              </a:ext>
+            </a:extLst>
+          </p:cNvPr>
+          <p:cNvSpPr txBox="1"/>
+          <p:nvPr/>
+        </p:nvSpPr>
+        <p:spPr>
+          <a:xfrm>
+            <a:off x="230036" y="1044934"/>
+            <a:ext cx="2658837" cy="830997"/>
+          </a:xfrm>
+          <a:prstGeom prst="rect">
+            <a:avLst/>
+          </a:prstGeom>
+          <a:noFill/>
+        </p:spPr>
+        <p:txBody>
+          <a:bodyPr wrap="square">
+            <a:spAutoFit/>
+          </a:bodyPr>
+          <a:lstStyle/>
+          <a:p>
+            <a:r>
+              <a:rPr lang="en-IN" sz="1600" b="0" i="0" dirty="0">
+                <a:solidFill>
+                  <a:srgbClr val="000000"/>
+                </a:solidFill>
+                <a:effectLst/>
+                <a:highlight>
+                  <a:srgbClr val="FFFFFF"/>
+                </a:highlight>
+                <a:cs typeface="Times New Roman" panose="02020603050405020304" pitchFamily="18" charset="0"/>
+              </a:rPr>
+              <a:t>Task </a:t>
+            </a:r>
+            <a:r>
+              <a:rPr lang="en-IN" sz="1600" dirty="0">
+                <a:solidFill>
+                  <a:srgbClr val="000000"/>
+                </a:solidFill>
+                <a:highlight>
+                  <a:srgbClr val="FFFFFF"/>
+                </a:highlight>
+                <a:cs typeface="Times New Roman" panose="02020603050405020304" pitchFamily="18" charset="0"/>
+              </a:rPr>
+              <a:t>– </a:t>
+            </a:r>
+            <a:r>
+              <a:rPr lang="en-IN" sz="1600" b="0" i="0" dirty="0">
+                <a:solidFill>
+                  <a:srgbClr val="000000"/>
+                </a:solidFill>
+                <a:effectLst/>
+                <a:highlight>
+                  <a:srgbClr val="FFFFFF"/>
+                </a:highlight>
+                <a:cs typeface="Times New Roman" panose="02020603050405020304" pitchFamily="18" charset="0"/>
+              </a:rPr>
+              <a:t>Speaker Recognition</a:t>
+            </a:r>
+          </a:p>
+          <a:p>
+            <a:r>
+              <a:rPr lang="en-IN" sz="1600" dirty="0">
+                <a:solidFill>
+                  <a:srgbClr val="000000"/>
+                </a:solidFill>
+                <a:highlight>
+                  <a:srgbClr val="FFFFFF"/>
+                </a:highlight>
+                <a:cs typeface="Times New Roman" panose="02020603050405020304" pitchFamily="18" charset="0"/>
+              </a:rPr>
+              <a:t>Toolkit – Speech Brain</a:t>
+            </a:r>
+          </a:p>
+          <a:p>
+            <a:r>
+              <a:rPr lang="en-IN" sz="1600" dirty="0">
+                <a:solidFill>
+                  <a:srgbClr val="000000"/>
+                </a:solidFill>
+                <a:highlight>
+                  <a:srgbClr val="FFFFFF"/>
+                </a:highlight>
+                <a:cs typeface="Times New Roman" panose="02020603050405020304" pitchFamily="18" charset="0"/>
+              </a:rPr>
+              <a:t>Dataset</a:t>
+            </a:r>
+            <a:r>
+              <a:rPr lang="en-US" sz="1600" dirty="0">
+                <a:solidFill>
+                  <a:srgbClr val="000000"/>
+                </a:solidFill>
+                <a:cs typeface="Times New Roman" panose="02020603050405020304" pitchFamily="18" charset="0"/>
+              </a:rPr>
+              <a:t> </a:t>
+            </a:r>
+            <a:r>
+              <a:rPr lang="en-IN" sz="1600" dirty="0">
+                <a:solidFill>
+                  <a:srgbClr val="000000"/>
+                </a:solidFill>
+                <a:highlight>
+                  <a:srgbClr val="FFFFFF"/>
+                </a:highlight>
+                <a:cs typeface="Times New Roman" panose="02020603050405020304" pitchFamily="18" charset="0"/>
+              </a:rPr>
+              <a:t>– VoxCeleb1</a:t>
+            </a:r>
+            <a:endParaRPr lang="en-IN" sz="1600" b="1" dirty="0">
+              <a:cs typeface="Times New Roman" panose="02020603050405020304" pitchFamily="18" charset="0"/>
+            </a:endParaRPr>
+          </a:p>
+        </p:txBody>
+      </p:sp>
+      <p:sp>
+        <p:nvSpPr>
+          <p:cNvPr id="12" name="Rectangle 11">
+            <a:extLst>
+              <a:ext uri="{FF2B5EF4-FFF2-40B4-BE49-F238E27FC236}">
+                <a16:creationId xmlns:a16="http://schemas.microsoft.com/office/drawing/2014/main" id="{C0E3C63C-0F58-44BB-B1FB-A1D45FF51B43}"/>
+              </a:ext>
+            </a:extLst>
+          </p:cNvPr>
+          <p:cNvSpPr/>
+          <p:nvPr/>
+        </p:nvSpPr>
+        <p:spPr>
+          <a:xfrm>
+            <a:off x="6191250" y="5876925"/>
+            <a:ext cx="1685925" cy="304800"/>
+          </a:xfrm>
+          <a:prstGeom prst="rect">
+            <a:avLst/>
+          </a:prstGeom>
+          <a:noFill/>
+          <a:ln w="28575">
+            <a:solidFill>
+              <a:srgbClr val="FF0000"/>
+            </a:solidFill>
+          </a:ln>
+          <a:effectLst>
+            <a:outerShdw blurRad="50800" dist="38100" dir="2700000" algn="tl" rotWithShape="0">
+              <a:prstClr val="black">
+                <a:alpha val="40000"/>
+              </a:prstClr>
+            </a:outerShdw>
+          </a:effectLst>
+        </p:spPr>
+        <p:style>
+          <a:lnRef idx="2">
+            <a:schemeClr val="accent6"/>
+          </a:lnRef>
+          <a:fillRef idx="1">
+            <a:schemeClr val="lt1"/>
+          </a:fillRef>
+          <a:effectRef idx="0">
+            <a:schemeClr val="accent6"/>
+          </a:effectRef>
+          <a:fontRef idx="minor">
+            <a:schemeClr val="dk1"/>
+          </a:fontRef>
+        </p:style>
+        <p:txBody>
+          <a:bodyPr rtlCol="0" anchor="ctr"/>
+          <a:lstStyle/>
+          <a:p>
+            <a:pPr algn="ctr"/>
+            <a:endParaRPr lang="en-IN"/>
+          </a:p>
+        </p:txBody>
+      </p:sp>
+      <p:cxnSp>
+        <p:nvCxnSpPr>
+          <p:cNvPr id="15" name="Straight Arrow Connector 14">
+            <a:extLst>
+              <a:ext uri="{FF2B5EF4-FFF2-40B4-BE49-F238E27FC236}">
+                <a16:creationId xmlns:a16="http://schemas.microsoft.com/office/drawing/2014/main" id="{D3E0DFB2-F846-346E-8DF8-76A136F550C2}"/>
+              </a:ext>
+            </a:extLst>
+          </p:cNvPr>
+          <p:cNvCxnSpPr>
+            <a:cxnSpLocks/>
+          </p:cNvCxnSpPr>
+          <p:nvPr/>
+        </p:nvCxnSpPr>
+        <p:spPr>
+          <a:xfrm flipH="1">
+            <a:off x="5509120" y="6059892"/>
+            <a:ext cx="646075" cy="0"/>
+          </a:xfrm>
+          <a:prstGeom prst="straightConnector1">
+            <a:avLst/>
+          </a:prstGeom>
+          <a:ln w="38100">
+            <a:solidFill>
+              <a:srgbClr val="FF0000"/>
+            </a:solidFill>
+            <a:tailEnd type="triangle"/>
+          </a:ln>
+          <a:effectLst>
+            <a:outerShdw blurRad="50800" dist="38100" dir="2700000" algn="tl" rotWithShape="0">
+              <a:prstClr val="black">
+                <a:alpha val="40000"/>
+              </a:prstClr>
+            </a:outerShdw>
+          </a:effectLst>
+        </p:spPr>
+        <p:style>
+          <a:lnRef idx="1">
+            <a:schemeClr val="accent1"/>
+          </a:lnRef>
+          <a:fillRef idx="0">
+            <a:schemeClr val="accent1"/>
+          </a:fillRef>
+          <a:effectRef idx="0">
+            <a:schemeClr val="accent1"/>
+          </a:effectRef>
+          <a:fontRef idx="minor">
+            <a:schemeClr val="tx1"/>
+          </a:fontRef>
+        </p:style>
+      </p:cxnSp>
+    </p:spTree>
+    <p:extLst>
+      <p:ext uri="{BB962C8B-B14F-4D97-AF65-F5344CB8AC3E}">
+        <p14:creationId xmlns:p14="http://schemas.microsoft.com/office/powerpoint/2010/main" val="2778399629"/>
+      </p:ext>
+    </p:extLst>
+  </p:cSld>
+  <p:clrMapOvr>
+    <a:masterClrMapping/>
+  </p:clrMapOvr>
+</p:sld>
+</file>
+
+<file path=ppt/slides/slide3.xml><?xml version="1.0" encoding="utf-8"?>
+<p:sld xmlns:a="http://schemas.openxmlformats.org/drawingml/2006/main" xmlns:r="http://schemas.openxmlformats.org/officeDocument/2006/relationships" xmlns:p="http://schemas.openxmlformats.org/presentationml/2006/main">
+  <p:cSld>
+    <p:spTree>
+      <p:nvGrpSpPr>
+        <p:cNvPr id="1" name=""/>
+        <p:cNvGrpSpPr/>
+        <p:nvPr/>
+      </p:nvGrpSpPr>
+      <p:grpSpPr>
+        <a:xfrm>
+          <a:off x="0" y="0"/>
+          <a:ext cx="0" cy="0"/>
+          <a:chOff x="0" y="0"/>
+          <a:chExt cx="0" cy="0"/>
+        </a:xfrm>
+      </p:grpSpPr>
+      <p:sp>
+        <p:nvSpPr>
+          <p:cNvPr id="2" name="TextBox 1">
+            <a:extLst>
+              <a:ext uri="{FF2B5EF4-FFF2-40B4-BE49-F238E27FC236}">
+                <a16:creationId xmlns:a16="http://schemas.microsoft.com/office/drawing/2014/main" id="{A43A8290-A35C-5A30-4CD6-6657B08D252E}"/>
+              </a:ext>
+            </a:extLst>
+          </p:cNvPr>
+          <p:cNvSpPr txBox="1"/>
+          <p:nvPr/>
+        </p:nvSpPr>
+        <p:spPr>
+          <a:xfrm>
+            <a:off x="237024" y="374011"/>
+            <a:ext cx="10903942" cy="1384995"/>
+          </a:xfrm>
+          <a:prstGeom prst="rect">
+            <a:avLst/>
+          </a:prstGeom>
+          <a:noFill/>
+        </p:spPr>
+        <p:txBody>
+          <a:bodyPr wrap="square" rtlCol="0">
+            <a:spAutoFit/>
+          </a:bodyPr>
+          <a:lstStyle/>
+          <a:p>
+            <a:r>
+              <a:rPr lang="en-US" sz="2800" b="1" i="0" u="sng" dirty="0">
+                <a:solidFill>
+                  <a:srgbClr val="000000"/>
+                </a:solidFill>
+                <a:effectLst/>
+                <a:highlight>
+                  <a:srgbClr val="FFFFFF"/>
+                </a:highlight>
+                <a:cs typeface="Times New Roman" panose="02020603050405020304" pitchFamily="18" charset="0"/>
+              </a:rPr>
+              <a:t>Emphasized Channel Attention, Propagation, and Aggregation </a:t>
+            </a:r>
+            <a:r>
+              <a:rPr lang="en-IN" sz="2800" b="1" u="sng" dirty="0">
+                <a:cs typeface="Times New Roman" panose="02020603050405020304" pitchFamily="18" charset="0"/>
+              </a:rPr>
+              <a:t>(ECAPA-TDNN) model</a:t>
+            </a:r>
+          </a:p>
+          <a:p>
+            <a:endParaRPr lang="en-IN" sz="2800" b="1" u="sng" dirty="0">
+              <a:cs typeface="Times New Roman" panose="02020603050405020304" pitchFamily="18" charset="0"/>
+            </a:endParaRPr>
+          </a:p>
+        </p:txBody>
+      </p:sp>
+      <p:pic>
+        <p:nvPicPr>
+          <p:cNvPr id="4" name="Picture 3">
+            <a:extLst>
+              <a:ext uri="{FF2B5EF4-FFF2-40B4-BE49-F238E27FC236}">
+                <a16:creationId xmlns:a16="http://schemas.microsoft.com/office/drawing/2014/main" id="{7EE694AF-8227-7E54-0CF0-1E8976495A8C}"/>
+              </a:ext>
+            </a:extLst>
+          </p:cNvPr>
+          <p:cNvPicPr>
+            <a:picLocks noChangeAspect="1"/>
+          </p:cNvPicPr>
+          <p:nvPr/>
+        </p:nvPicPr>
+        <p:blipFill>
+          <a:blip r:embed="rId2"/>
+          <a:stretch>
+            <a:fillRect/>
+          </a:stretch>
+        </p:blipFill>
+        <p:spPr>
+          <a:xfrm>
+            <a:off x="578598" y="1233849"/>
+            <a:ext cx="3720133" cy="5003989"/>
+          </a:xfrm>
+          <a:prstGeom prst="rect">
+            <a:avLst/>
+          </a:prstGeom>
+          <a:effectLst/>
+        </p:spPr>
+      </p:pic>
+      <p:pic>
+        <p:nvPicPr>
+          <p:cNvPr id="6" name="Picture 5">
+            <a:extLst>
+              <a:ext uri="{FF2B5EF4-FFF2-40B4-BE49-F238E27FC236}">
+                <a16:creationId xmlns:a16="http://schemas.microsoft.com/office/drawing/2014/main" id="{0E95DDA9-DA54-3E1A-1A9A-3998B01D305E}"/>
+              </a:ext>
+            </a:extLst>
+          </p:cNvPr>
+          <p:cNvPicPr>
+            <a:picLocks noChangeAspect="1"/>
+          </p:cNvPicPr>
+          <p:nvPr/>
+        </p:nvPicPr>
+        <p:blipFill>
+          <a:blip r:embed="rId3"/>
+          <a:stretch>
+            <a:fillRect/>
+          </a:stretch>
+        </p:blipFill>
+        <p:spPr>
+          <a:xfrm>
+            <a:off x="5581270" y="1328568"/>
+            <a:ext cx="5449060" cy="2429214"/>
+          </a:xfrm>
+          <a:prstGeom prst="rect">
+            <a:avLst/>
+          </a:prstGeom>
+          <a:effectLst>
+            <a:outerShdw blurRad="50800" dist="38100" dir="2700000" algn="tl" rotWithShape="0">
+              <a:prstClr val="black">
+                <a:alpha val="40000"/>
+              </a:prstClr>
+            </a:outerShdw>
+          </a:effectLst>
+        </p:spPr>
+      </p:pic>
+      <p:sp>
+        <p:nvSpPr>
+          <p:cNvPr id="7" name="TextBox 6">
+            <a:extLst>
+              <a:ext uri="{FF2B5EF4-FFF2-40B4-BE49-F238E27FC236}">
+                <a16:creationId xmlns:a16="http://schemas.microsoft.com/office/drawing/2014/main" id="{EA7E106F-F3C8-B8A9-04F6-3C75198751BF}"/>
+              </a:ext>
+            </a:extLst>
+          </p:cNvPr>
+          <p:cNvSpPr txBox="1"/>
+          <p:nvPr/>
+        </p:nvSpPr>
+        <p:spPr>
+          <a:xfrm>
+            <a:off x="5505070" y="3854110"/>
+            <a:ext cx="4401718" cy="1477328"/>
+          </a:xfrm>
+          <a:prstGeom prst="rect">
+            <a:avLst/>
+          </a:prstGeom>
+          <a:noFill/>
+        </p:spPr>
+        <p:txBody>
+          <a:bodyPr wrap="none" rtlCol="0">
+            <a:spAutoFit/>
+          </a:bodyPr>
+          <a:lstStyle/>
+          <a:p>
+            <a:r>
+              <a:rPr lang="en-IN" dirty="0"/>
+              <a:t>k -&gt; kernel size</a:t>
+            </a:r>
+          </a:p>
+          <a:p>
+            <a:r>
+              <a:rPr lang="en-IN" dirty="0"/>
+              <a:t>C -&gt; Number of channels</a:t>
+            </a:r>
+          </a:p>
+          <a:p>
+            <a:r>
+              <a:rPr lang="en-IN" dirty="0"/>
+              <a:t>T -&gt; Temporal dimension of the feature maps</a:t>
+            </a:r>
+          </a:p>
+          <a:p>
+            <a:r>
+              <a:rPr lang="en-IN" dirty="0"/>
+              <a:t>d -&gt; dilation spacing of the SE-Res2Block  </a:t>
+            </a:r>
+          </a:p>
+          <a:p>
+            <a:r>
+              <a:rPr lang="en-IN" dirty="0"/>
+              <a:t>S -&gt; The number of speakers</a:t>
+            </a:r>
+          </a:p>
+        </p:txBody>
+      </p:sp>
+    </p:spTree>
+    <p:extLst>
+      <p:ext uri="{BB962C8B-B14F-4D97-AF65-F5344CB8AC3E}">
+        <p14:creationId xmlns:p14="http://schemas.microsoft.com/office/powerpoint/2010/main" val="2672956735"/>
+      </p:ext>
+    </p:extLst>
+  </p:cSld>
+  <p:clrMapOvr>
+    <a:masterClrMapping/>
+  </p:clrMapOvr>
+</p:sld>
+</file>
+
+<file path=ppt/slides/slide4.xml><?xml version="1.0" encoding="utf-8"?>
+<p:sld xmlns:a="http://schemas.openxmlformats.org/drawingml/2006/main" xmlns:r="http://schemas.openxmlformats.org/officeDocument/2006/relationships" xmlns:p="http://schemas.openxmlformats.org/presentationml/2006/main">
+  <p:cSld>
+    <p:spTree>
+      <p:nvGrpSpPr>
+        <p:cNvPr id="1" name=""/>
+        <p:cNvGrpSpPr/>
+        <p:nvPr/>
+      </p:nvGrpSpPr>
+      <p:grpSpPr>
+        <a:xfrm>
+          <a:off x="0" y="0"/>
+          <a:ext cx="0" cy="0"/>
+          <a:chOff x="0" y="0"/>
+          <a:chExt cx="0" cy="0"/>
+        </a:xfrm>
+      </p:grpSpPr>
+      <p:sp>
+        <p:nvSpPr>
+          <p:cNvPr id="4" name="TextBox 3">
+            <a:extLst>
+              <a:ext uri="{FF2B5EF4-FFF2-40B4-BE49-F238E27FC236}">
+                <a16:creationId xmlns:a16="http://schemas.microsoft.com/office/drawing/2014/main" id="{909328C1-6730-B704-4FBD-3D9F16476577}"/>
+              </a:ext>
+            </a:extLst>
+          </p:cNvPr>
+          <p:cNvSpPr txBox="1"/>
+          <p:nvPr/>
+        </p:nvSpPr>
+        <p:spPr>
+          <a:xfrm>
+            <a:off x="341586" y="315362"/>
+            <a:ext cx="1583062" cy="523220"/>
+          </a:xfrm>
+          <a:prstGeom prst="rect">
+            <a:avLst/>
+          </a:prstGeom>
+          <a:noFill/>
+        </p:spPr>
+        <p:txBody>
+          <a:bodyPr wrap="none" rtlCol="0">
+            <a:spAutoFit/>
+          </a:bodyPr>
+          <a:lstStyle/>
+          <a:p>
+            <a:r>
+              <a:rPr lang="en-IN" sz="2800" b="1" u="sng" dirty="0">
+                <a:latin typeface="Times New Roman" panose="02020603050405020304" pitchFamily="18" charset="0"/>
+                <a:cs typeface="Times New Roman" panose="02020603050405020304" pitchFamily="18" charset="0"/>
+              </a:rPr>
+              <a:t>Train log</a:t>
+            </a:r>
+          </a:p>
+        </p:txBody>
+      </p:sp>
+      <p:sp>
+        <p:nvSpPr>
+          <p:cNvPr id="7" name="TextBox 6">
+            <a:extLst>
+              <a:ext uri="{FF2B5EF4-FFF2-40B4-BE49-F238E27FC236}">
+                <a16:creationId xmlns:a16="http://schemas.microsoft.com/office/drawing/2014/main" id="{B43B6935-E064-5B8B-58DE-DA56C5918C9B}"/>
+              </a:ext>
+            </a:extLst>
+          </p:cNvPr>
+          <p:cNvSpPr txBox="1"/>
+          <p:nvPr/>
+        </p:nvSpPr>
+        <p:spPr>
+          <a:xfrm>
+            <a:off x="6872781" y="1202121"/>
+            <a:ext cx="2577950" cy="369332"/>
+          </a:xfrm>
+          <a:prstGeom prst="rect">
+            <a:avLst/>
+          </a:prstGeom>
+          <a:noFill/>
+        </p:spPr>
+        <p:txBody>
+          <a:bodyPr wrap="none" rtlCol="0">
+            <a:spAutoFit/>
+          </a:bodyPr>
+          <a:lstStyle/>
+          <a:p>
+            <a:pPr marL="285750" indent="-285750">
+              <a:buFont typeface="Wingdings" panose="05000000000000000000" pitchFamily="2" charset="2"/>
+              <a:buChar char="Ø"/>
+            </a:pPr>
+            <a:r>
+              <a:rPr lang="en-US" dirty="0"/>
+              <a:t>Number of epoch = 10</a:t>
+            </a:r>
+            <a:endParaRPr lang="en-IN" dirty="0"/>
+          </a:p>
+        </p:txBody>
+      </p:sp>
+      <p:sp>
+        <p:nvSpPr>
+          <p:cNvPr id="8" name="TextBox 7">
+            <a:extLst>
+              <a:ext uri="{FF2B5EF4-FFF2-40B4-BE49-F238E27FC236}">
+                <a16:creationId xmlns:a16="http://schemas.microsoft.com/office/drawing/2014/main" id="{F7FD18F4-9EFB-9D8E-1268-CB07C8BE0E5A}"/>
+              </a:ext>
+            </a:extLst>
+          </p:cNvPr>
+          <p:cNvSpPr txBox="1"/>
+          <p:nvPr/>
+        </p:nvSpPr>
+        <p:spPr>
+          <a:xfrm>
+            <a:off x="2663035" y="6000363"/>
+            <a:ext cx="1869551" cy="369332"/>
+          </a:xfrm>
+          <a:prstGeom prst="rect">
+            <a:avLst/>
+          </a:prstGeom>
+          <a:noFill/>
+        </p:spPr>
+        <p:txBody>
+          <a:bodyPr wrap="none" rtlCol="0">
+            <a:spAutoFit/>
+          </a:bodyPr>
+          <a:lstStyle/>
+          <a:p>
+            <a:r>
+              <a:rPr lang="en-US" dirty="0"/>
+              <a:t>From train_log.txt</a:t>
+            </a:r>
+            <a:endParaRPr lang="en-IN" dirty="0"/>
+          </a:p>
+        </p:txBody>
+      </p:sp>
+      <p:pic>
+        <p:nvPicPr>
+          <p:cNvPr id="1026" name="Picture 2">
+            <a:extLst>
+              <a:ext uri="{FF2B5EF4-FFF2-40B4-BE49-F238E27FC236}">
+                <a16:creationId xmlns:a16="http://schemas.microsoft.com/office/drawing/2014/main" id="{A061CB28-7CFD-7022-4372-D53AC4EDC4AA}"/>
+              </a:ext>
+            </a:extLst>
+          </p:cNvPr>
+          <p:cNvPicPr>
+            <a:picLocks noChangeAspect="1" noChangeArrowheads="1"/>
+          </p:cNvPicPr>
+          <p:nvPr/>
+        </p:nvPicPr>
+        <p:blipFill>
+          <a:blip r:embed="rId2">
+            <a:extLst>
+              <a:ext uri="{28A0092B-C50C-407E-A947-70E740481C1C}">
+                <a14:useLocalDpi xmlns:a14="http://schemas.microsoft.com/office/drawing/2010/main" val="0"/>
+              </a:ext>
+            </a:extLst>
+          </a:blip>
+          <a:srcRect/>
+          <a:stretch>
+            <a:fillRect/>
+          </a:stretch>
+        </p:blipFill>
+        <p:spPr bwMode="auto">
+          <a:xfrm>
+            <a:off x="74886" y="838582"/>
+            <a:ext cx="6716439" cy="3334402"/>
+          </a:xfrm>
+          <a:prstGeom prst="rect">
+            <a:avLst/>
+          </a:prstGeom>
+          <a:noFill/>
+          <a:effectLst/>
+          <a:extLst>
+            <a:ext uri="{909E8E84-426E-40DD-AFC4-6F175D3DCCD1}">
+              <a14:hiddenFill xmlns:a14="http://schemas.microsoft.com/office/drawing/2010/main">
+                <a:solidFill>
+                  <a:srgbClr val="FFFFFF"/>
+                </a:solidFill>
+              </a14:hiddenFill>
+            </a:ext>
+          </a:extLst>
+        </p:spPr>
+      </p:pic>
+      <p:pic>
+        <p:nvPicPr>
+          <p:cNvPr id="5" name="Picture 4">
+            <a:extLst>
+              <a:ext uri="{FF2B5EF4-FFF2-40B4-BE49-F238E27FC236}">
+                <a16:creationId xmlns:a16="http://schemas.microsoft.com/office/drawing/2014/main" id="{2D02C83A-3B7E-5A2D-404A-9C386C44D191}"/>
+              </a:ext>
+            </a:extLst>
+          </p:cNvPr>
+          <p:cNvPicPr>
+            <a:picLocks noChangeAspect="1"/>
+          </p:cNvPicPr>
+          <p:nvPr/>
+        </p:nvPicPr>
+        <p:blipFill>
+          <a:blip r:embed="rId3"/>
+          <a:stretch>
+            <a:fillRect/>
+          </a:stretch>
+        </p:blipFill>
+        <p:spPr>
+          <a:xfrm>
+            <a:off x="4628094" y="4295596"/>
+            <a:ext cx="7563906" cy="2000529"/>
+          </a:xfrm>
+          <a:prstGeom prst="rect">
+            <a:avLst/>
+          </a:prstGeom>
+          <a:effectLst>
+            <a:outerShdw blurRad="50800" dist="38100" dir="2700000" algn="tl" rotWithShape="0">
+              <a:prstClr val="black">
+                <a:alpha val="40000"/>
+              </a:prstClr>
+            </a:outerShdw>
+          </a:effectLst>
+        </p:spPr>
+      </p:pic>
+    </p:spTree>
+    <p:extLst>
+      <p:ext uri="{BB962C8B-B14F-4D97-AF65-F5344CB8AC3E}">
+        <p14:creationId xmlns:p14="http://schemas.microsoft.com/office/powerpoint/2010/main" val="2361076301"/>
+      </p:ext>
+    </p:extLst>
+  </p:cSld>
+  <p:clrMapOvr>
+    <a:masterClrMapping/>
+  </p:clrMapOvr>
+</p:sld>
+</file>
+
+<file path=ppt/slides/slide5.xml><?xml version="1.0" encoding="utf-8"?>
+<p:sld xmlns:a="http://schemas.openxmlformats.org/drawingml/2006/main" xmlns:r="http://schemas.openxmlformats.org/officeDocument/2006/relationships" xmlns:p="http://schemas.openxmlformats.org/presentationml/2006/main">
+  <p:cSld>
+    <p:spTree>
+      <p:nvGrpSpPr>
+        <p:cNvPr id="1" name=""/>
+        <p:cNvGrpSpPr/>
+        <p:nvPr/>
+      </p:nvGrpSpPr>
+      <p:grpSpPr>
+        <a:xfrm>
+          <a:off x="0" y="0"/>
+          <a:ext cx="0" cy="0"/>
+          <a:chOff x="0" y="0"/>
+          <a:chExt cx="0" cy="0"/>
+        </a:xfrm>
+      </p:grpSpPr>
+      <p:sp>
+        <p:nvSpPr>
+          <p:cNvPr id="2" name="TextBox 1">
+            <a:extLst>
+              <a:ext uri="{FF2B5EF4-FFF2-40B4-BE49-F238E27FC236}">
+                <a16:creationId xmlns:a16="http://schemas.microsoft.com/office/drawing/2014/main" id="{972A848D-6296-A916-BD55-5A0051CBDECE}"/>
+              </a:ext>
+            </a:extLst>
+          </p:cNvPr>
+          <p:cNvSpPr txBox="1"/>
+          <p:nvPr/>
+        </p:nvSpPr>
+        <p:spPr>
+          <a:xfrm>
+            <a:off x="341586" y="315362"/>
+            <a:ext cx="3147657" cy="523220"/>
+          </a:xfrm>
+          <a:prstGeom prst="rect">
+            <a:avLst/>
+          </a:prstGeom>
+          <a:noFill/>
+        </p:spPr>
+        <p:txBody>
+          <a:bodyPr wrap="none" rtlCol="0">
+            <a:spAutoFit/>
+          </a:bodyPr>
+          <a:lstStyle/>
+          <a:p>
+            <a:r>
+              <a:rPr lang="en-IN" sz="2800" b="1" u="sng" dirty="0">
+                <a:latin typeface="Calibri" panose="020F0502020204030204" pitchFamily="34" charset="0"/>
+                <a:ea typeface="Calibri" panose="020F0502020204030204" pitchFamily="34" charset="0"/>
+                <a:cs typeface="Calibri" panose="020F0502020204030204" pitchFamily="34" charset="0"/>
+              </a:rPr>
+              <a:t>Speaker verification</a:t>
+            </a:r>
+          </a:p>
+        </p:txBody>
+      </p:sp>
+      <p:sp>
+        <p:nvSpPr>
+          <p:cNvPr id="3" name="TextBox 2">
+            <a:extLst>
+              <a:ext uri="{FF2B5EF4-FFF2-40B4-BE49-F238E27FC236}">
+                <a16:creationId xmlns:a16="http://schemas.microsoft.com/office/drawing/2014/main" id="{F7B28166-D9D9-5C3E-5E9D-55B35F4101AF}"/>
+              </a:ext>
+            </a:extLst>
+          </p:cNvPr>
+          <p:cNvSpPr txBox="1"/>
+          <p:nvPr/>
+        </p:nvSpPr>
+        <p:spPr>
+          <a:xfrm>
+            <a:off x="79813" y="1109764"/>
+            <a:ext cx="8737615" cy="646331"/>
+          </a:xfrm>
+          <a:prstGeom prst="rect">
+            <a:avLst/>
+          </a:prstGeom>
+          <a:noFill/>
+        </p:spPr>
+        <p:txBody>
+          <a:bodyPr wrap="square" rtlCol="0">
+            <a:spAutoFit/>
+          </a:bodyPr>
+          <a:lstStyle/>
+          <a:p>
+            <a:r>
+              <a:rPr lang="en-US" dirty="0">
+                <a:latin typeface="Calibri" panose="020F0502020204030204" pitchFamily="34" charset="0"/>
+                <a:ea typeface="Calibri" panose="020F0502020204030204" pitchFamily="34" charset="0"/>
+                <a:cs typeface="Calibri" panose="020F0502020204030204" pitchFamily="34" charset="0"/>
+              </a:rPr>
+              <a:t>“</a:t>
+            </a:r>
+            <a:r>
+              <a:rPr lang="en-US" dirty="0" err="1">
+                <a:latin typeface="Calibri" panose="020F0502020204030204" pitchFamily="34" charset="0"/>
+                <a:ea typeface="Calibri" panose="020F0502020204030204" pitchFamily="34" charset="0"/>
+                <a:cs typeface="Calibri" panose="020F0502020204030204" pitchFamily="34" charset="0"/>
+              </a:rPr>
+              <a:t>pretrain_path</a:t>
+            </a:r>
+            <a:r>
+              <a:rPr lang="en-US" dirty="0">
+                <a:latin typeface="Calibri" panose="020F0502020204030204" pitchFamily="34" charset="0"/>
+                <a:ea typeface="Calibri" panose="020F0502020204030204" pitchFamily="34" charset="0"/>
+                <a:cs typeface="Calibri" panose="020F0502020204030204" pitchFamily="34" charset="0"/>
+              </a:rPr>
+              <a:t>” in the “</a:t>
+            </a:r>
+            <a:r>
+              <a:rPr lang="en-US" b="1" dirty="0" err="1">
+                <a:latin typeface="Calibri" panose="020F0502020204030204" pitchFamily="34" charset="0"/>
+                <a:ea typeface="Calibri" panose="020F0502020204030204" pitchFamily="34" charset="0"/>
+                <a:cs typeface="Calibri" panose="020F0502020204030204" pitchFamily="34" charset="0"/>
+              </a:rPr>
+              <a:t>verification_ecapa.yaml</a:t>
+            </a:r>
+            <a:r>
+              <a:rPr lang="en-US" dirty="0">
+                <a:latin typeface="Calibri" panose="020F0502020204030204" pitchFamily="34" charset="0"/>
+                <a:ea typeface="Calibri" panose="020F0502020204030204" pitchFamily="34" charset="0"/>
+                <a:cs typeface="Calibri" panose="020F0502020204030204" pitchFamily="34" charset="0"/>
+              </a:rPr>
+              <a:t>” file should be changed to the location where the trained model is present else, the pre-trained model will be taken</a:t>
+            </a:r>
+            <a:endParaRPr lang="en-IN" dirty="0">
+              <a:latin typeface="Calibri" panose="020F0502020204030204" pitchFamily="34" charset="0"/>
+              <a:ea typeface="Calibri" panose="020F0502020204030204" pitchFamily="34" charset="0"/>
+              <a:cs typeface="Calibri" panose="020F0502020204030204" pitchFamily="34" charset="0"/>
+            </a:endParaRPr>
+          </a:p>
+        </p:txBody>
+      </p:sp>
+      <p:pic>
+        <p:nvPicPr>
+          <p:cNvPr id="7" name="Picture 6">
+            <a:extLst>
+              <a:ext uri="{FF2B5EF4-FFF2-40B4-BE49-F238E27FC236}">
+                <a16:creationId xmlns:a16="http://schemas.microsoft.com/office/drawing/2014/main" id="{9C96E9B1-47F3-1B37-1BC7-53F295043DBF}"/>
+              </a:ext>
+            </a:extLst>
+          </p:cNvPr>
+          <p:cNvPicPr>
+            <a:picLocks noChangeAspect="1"/>
+          </p:cNvPicPr>
+          <p:nvPr/>
+        </p:nvPicPr>
+        <p:blipFill>
+          <a:blip r:embed="rId2"/>
+          <a:stretch>
+            <a:fillRect/>
+          </a:stretch>
+        </p:blipFill>
+        <p:spPr>
+          <a:xfrm>
+            <a:off x="244858" y="1892127"/>
+            <a:ext cx="9190311" cy="1276528"/>
+          </a:xfrm>
+          <a:prstGeom prst="rect">
+            <a:avLst/>
+          </a:prstGeom>
+          <a:effectLst>
+            <a:outerShdw blurRad="50800" dist="38100" dir="2700000" algn="tl" rotWithShape="0">
+              <a:prstClr val="black">
+                <a:alpha val="40000"/>
+              </a:prstClr>
+            </a:outerShdw>
+          </a:effectLst>
+        </p:spPr>
+      </p:pic>
+      <p:sp>
+        <p:nvSpPr>
+          <p:cNvPr id="8" name="TextBox 7">
+            <a:extLst>
+              <a:ext uri="{FF2B5EF4-FFF2-40B4-BE49-F238E27FC236}">
+                <a16:creationId xmlns:a16="http://schemas.microsoft.com/office/drawing/2014/main" id="{6DD1754D-9F2F-6F6D-77DD-48B87E1A47C2}"/>
+              </a:ext>
+            </a:extLst>
+          </p:cNvPr>
+          <p:cNvSpPr txBox="1"/>
+          <p:nvPr/>
+        </p:nvSpPr>
+        <p:spPr>
+          <a:xfrm>
+            <a:off x="244858" y="3689346"/>
+            <a:ext cx="4840014" cy="2308324"/>
+          </a:xfrm>
+          <a:prstGeom prst="rect">
+            <a:avLst/>
+          </a:prstGeom>
+          <a:noFill/>
+        </p:spPr>
+        <p:txBody>
+          <a:bodyPr wrap="square" rtlCol="0">
+            <a:spAutoFit/>
+          </a:bodyPr>
+          <a:lstStyle/>
+          <a:p>
+            <a:pPr marL="285750" indent="-285750">
+              <a:buFontTx/>
+              <a:buChar char="-"/>
+            </a:pPr>
+            <a:r>
+              <a:rPr lang="en-IN" dirty="0">
+                <a:latin typeface="Calibri" panose="020F0502020204030204" pitchFamily="34" charset="0"/>
+                <a:ea typeface="Calibri" panose="020F0502020204030204" pitchFamily="34" charset="0"/>
+                <a:cs typeface="Calibri" panose="020F0502020204030204" pitchFamily="34" charset="0"/>
+              </a:rPr>
+              <a:t>EER(%) = 2.52%</a:t>
+            </a:r>
+          </a:p>
+          <a:p>
+            <a:pPr marL="285750" indent="-285750">
+              <a:buFontTx/>
+              <a:buChar char="-"/>
+            </a:pPr>
+            <a:r>
+              <a:rPr lang="en-IN" dirty="0">
+                <a:latin typeface="Calibri" panose="020F0502020204030204" pitchFamily="34" charset="0"/>
+                <a:ea typeface="Calibri" panose="020F0502020204030204" pitchFamily="34" charset="0"/>
+                <a:cs typeface="Calibri" panose="020F0502020204030204" pitchFamily="34" charset="0"/>
+              </a:rPr>
+              <a:t>minDCF = 0.269</a:t>
+            </a:r>
+          </a:p>
+          <a:p>
+            <a:pPr marL="285750" indent="-285750">
+              <a:buFontTx/>
+              <a:buChar char="-"/>
+            </a:pPr>
+            <a:r>
+              <a:rPr lang="en-US" b="0" i="0" dirty="0">
+                <a:effectLst/>
+                <a:latin typeface="-apple-system"/>
+              </a:rPr>
+              <a:t>Speaker verification using </a:t>
+            </a:r>
+            <a:r>
+              <a:rPr lang="en-US" b="1" i="0" dirty="0">
+                <a:effectLst/>
+                <a:latin typeface="-apple-system"/>
+              </a:rPr>
+              <a:t>cosine similarity</a:t>
+            </a:r>
+          </a:p>
+          <a:p>
+            <a:pPr marL="285750" indent="-285750">
+              <a:buFontTx/>
+              <a:buChar char="-"/>
+            </a:pPr>
+            <a:r>
+              <a:rPr lang="en-US" dirty="0">
+                <a:latin typeface="Calibri" panose="020F0502020204030204" pitchFamily="34" charset="0"/>
+                <a:ea typeface="Calibri" panose="020F0502020204030204" pitchFamily="34" charset="0"/>
+                <a:cs typeface="Calibri" panose="020F0502020204030204" pitchFamily="34" charset="0"/>
+              </a:rPr>
+              <a:t>Measures how similar two vectors are in terms of direction</a:t>
+            </a:r>
+          </a:p>
+          <a:p>
+            <a:pPr marL="285750" indent="-285750">
+              <a:buFontTx/>
+              <a:buChar char="-"/>
+            </a:pPr>
+            <a:r>
+              <a:rPr lang="en-US"/>
+              <a:t>Speaker </a:t>
+            </a:r>
+            <a:r>
+              <a:rPr lang="en-US" dirty="0"/>
+              <a:t>with the highest cosine similarity score is considered the most likely speaker</a:t>
+            </a:r>
+            <a:endParaRPr lang="en-IN" dirty="0">
+              <a:latin typeface="Calibri" panose="020F0502020204030204" pitchFamily="34" charset="0"/>
+              <a:ea typeface="Calibri" panose="020F0502020204030204" pitchFamily="34" charset="0"/>
+              <a:cs typeface="Calibri" panose="020F0502020204030204" pitchFamily="34" charset="0"/>
+            </a:endParaRPr>
+          </a:p>
+          <a:p>
+            <a:pPr marL="285750" indent="-285750">
+              <a:buFontTx/>
+              <a:buChar char="-"/>
+            </a:pPr>
+            <a:endParaRPr lang="en-IN" dirty="0">
+              <a:latin typeface="Calibri" panose="020F0502020204030204" pitchFamily="34" charset="0"/>
+              <a:ea typeface="Calibri" panose="020F0502020204030204" pitchFamily="34" charset="0"/>
+              <a:cs typeface="Calibri" panose="020F0502020204030204" pitchFamily="34" charset="0"/>
+            </a:endParaRPr>
+          </a:p>
+        </p:txBody>
+      </p:sp>
+      <p:sp>
+        <p:nvSpPr>
+          <p:cNvPr id="5" name="TextBox 4">
+            <a:extLst>
+              <a:ext uri="{FF2B5EF4-FFF2-40B4-BE49-F238E27FC236}">
+                <a16:creationId xmlns:a16="http://schemas.microsoft.com/office/drawing/2014/main" id="{2AA2F2F9-54EB-AF10-8920-DE31C632D396}"/>
+              </a:ext>
+            </a:extLst>
+          </p:cNvPr>
+          <p:cNvSpPr txBox="1"/>
+          <p:nvPr/>
+        </p:nvSpPr>
+        <p:spPr>
+          <a:xfrm>
+            <a:off x="6096000" y="4086168"/>
+            <a:ext cx="4429546" cy="646331"/>
+          </a:xfrm>
+          <a:prstGeom prst="rect">
+            <a:avLst/>
+          </a:prstGeom>
+          <a:noFill/>
+        </p:spPr>
+        <p:txBody>
+          <a:bodyPr wrap="none" rtlCol="0">
+            <a:spAutoFit/>
+          </a:bodyPr>
+          <a:lstStyle/>
+          <a:p>
+            <a:r>
+              <a:rPr lang="en-IN" dirty="0"/>
+              <a:t>EER        -&gt;  Equal error rate</a:t>
+            </a:r>
+          </a:p>
+          <a:p>
+            <a:r>
+              <a:rPr lang="en-IN" dirty="0"/>
+              <a:t>minDCF -&gt; Minimum Detection Cost Function</a:t>
+            </a:r>
+          </a:p>
+        </p:txBody>
+      </p:sp>
+    </p:spTree>
+    <p:extLst>
+      <p:ext uri="{BB962C8B-B14F-4D97-AF65-F5344CB8AC3E}">
+        <p14:creationId xmlns:p14="http://schemas.microsoft.com/office/powerpoint/2010/main" val="4211180547"/>
+      </p:ext>
+    </p:extLst>
+  </p:cSld>
+  <p:clrMapOvr>
+    <a:masterClrMapping/>
+  </p:clrMapOvr>
+</p:sld>
+</file>
+
+<file path=ppt/slides/slide6.xml><?xml version="1.0" encoding="utf-8"?>
+<p:sld xmlns:a="http://schemas.openxmlformats.org/drawingml/2006/main" xmlns:r="http://schemas.openxmlformats.org/officeDocument/2006/relationships" xmlns:p="http://schemas.openxmlformats.org/presentationml/2006/main">
+  <p:cSld>
+    <p:spTree>
+      <p:nvGrpSpPr>
+        <p:cNvPr id="1" name=""/>
+        <p:cNvGrpSpPr/>
+        <p:nvPr/>
+      </p:nvGrpSpPr>
+      <p:grpSpPr>
+        <a:xfrm>
+          <a:off x="0" y="0"/>
+          <a:ext cx="0" cy="0"/>
+          <a:chOff x="0" y="0"/>
+          <a:chExt cx="0" cy="0"/>
+        </a:xfrm>
+      </p:grpSpPr>
+      <p:pic>
+        <p:nvPicPr>
+          <p:cNvPr id="3" name="Picture 2">
+            <a:extLst>
+              <a:ext uri="{FF2B5EF4-FFF2-40B4-BE49-F238E27FC236}">
+                <a16:creationId xmlns:a16="http://schemas.microsoft.com/office/drawing/2014/main" id="{4520AB6A-4A77-D5C1-C6F6-251194C2856B}"/>
+              </a:ext>
+            </a:extLst>
+          </p:cNvPr>
+          <p:cNvPicPr>
+            <a:picLocks noChangeAspect="1"/>
+          </p:cNvPicPr>
+          <p:nvPr/>
+        </p:nvPicPr>
+        <p:blipFill rotWithShape="1">
+          <a:blip r:embed="rId2"/>
+          <a:srcRect t="35311" b="4043"/>
+          <a:stretch/>
+        </p:blipFill>
+        <p:spPr>
+          <a:xfrm>
+            <a:off x="129321" y="3594537"/>
+            <a:ext cx="4699071" cy="2568137"/>
+          </a:xfrm>
+          <a:prstGeom prst="rect">
+            <a:avLst/>
+          </a:prstGeom>
+          <a:effectLst>
+            <a:outerShdw blurRad="50800" dist="38100" dir="2700000" algn="tl" rotWithShape="0">
+              <a:prstClr val="black">
+                <a:alpha val="40000"/>
+              </a:prstClr>
+            </a:outerShdw>
+          </a:effectLst>
+        </p:spPr>
+      </p:pic>
+      <p:pic>
+        <p:nvPicPr>
+          <p:cNvPr id="5" name="Picture 4">
+            <a:extLst>
+              <a:ext uri="{FF2B5EF4-FFF2-40B4-BE49-F238E27FC236}">
+                <a16:creationId xmlns:a16="http://schemas.microsoft.com/office/drawing/2014/main" id="{6B03C32E-C079-FB90-1C74-6D6515810445}"/>
+              </a:ext>
+            </a:extLst>
+          </p:cNvPr>
+          <p:cNvPicPr>
+            <a:picLocks noChangeAspect="1"/>
+          </p:cNvPicPr>
+          <p:nvPr/>
+        </p:nvPicPr>
+        <p:blipFill>
+          <a:blip r:embed="rId3"/>
+          <a:stretch>
+            <a:fillRect/>
+          </a:stretch>
+        </p:blipFill>
+        <p:spPr>
+          <a:xfrm>
+            <a:off x="129320" y="1391063"/>
+            <a:ext cx="8089769" cy="2037937"/>
+          </a:xfrm>
+          <a:prstGeom prst="rect">
+            <a:avLst/>
+          </a:prstGeom>
+          <a:effectLst>
+            <a:outerShdw blurRad="50800" dist="38100" dir="2700000" algn="tl" rotWithShape="0">
+              <a:prstClr val="black">
+                <a:alpha val="40000"/>
+              </a:prstClr>
+            </a:outerShdw>
+          </a:effectLst>
+        </p:spPr>
+      </p:pic>
+      <p:sp>
+        <p:nvSpPr>
+          <p:cNvPr id="8" name="TextBox 7">
+            <a:extLst>
+              <a:ext uri="{FF2B5EF4-FFF2-40B4-BE49-F238E27FC236}">
+                <a16:creationId xmlns:a16="http://schemas.microsoft.com/office/drawing/2014/main" id="{2CC06CB1-A2B0-CA52-63FC-72E34017E501}"/>
+              </a:ext>
+            </a:extLst>
+          </p:cNvPr>
+          <p:cNvSpPr txBox="1"/>
+          <p:nvPr/>
+        </p:nvSpPr>
+        <p:spPr>
+          <a:xfrm>
+            <a:off x="100256" y="322334"/>
+            <a:ext cx="6622775" cy="523220"/>
+          </a:xfrm>
+          <a:prstGeom prst="rect">
+            <a:avLst/>
+          </a:prstGeom>
+          <a:noFill/>
+        </p:spPr>
+        <p:txBody>
+          <a:bodyPr wrap="none" rtlCol="0">
+            <a:spAutoFit/>
+          </a:bodyPr>
+          <a:lstStyle/>
+          <a:p>
+            <a:r>
+              <a:rPr lang="en-IN" sz="2800" b="1" u="sng" dirty="0">
+                <a:latin typeface="Calibri" panose="020F0502020204030204" pitchFamily="34" charset="0"/>
+                <a:ea typeface="Calibri" panose="020F0502020204030204" pitchFamily="34" charset="0"/>
+                <a:cs typeface="Calibri" panose="020F0502020204030204" pitchFamily="34" charset="0"/>
+              </a:rPr>
+              <a:t>Speaker Embedding(with example wav file)</a:t>
+            </a:r>
+          </a:p>
+        </p:txBody>
+      </p:sp>
+      <p:sp>
+        <p:nvSpPr>
+          <p:cNvPr id="9" name="TextBox 8">
+            <a:extLst>
+              <a:ext uri="{FF2B5EF4-FFF2-40B4-BE49-F238E27FC236}">
+                <a16:creationId xmlns:a16="http://schemas.microsoft.com/office/drawing/2014/main" id="{FCE501C0-8D48-0E0E-F6CA-E2A39039CF0B}"/>
+              </a:ext>
+            </a:extLst>
+          </p:cNvPr>
+          <p:cNvSpPr txBox="1"/>
+          <p:nvPr/>
+        </p:nvSpPr>
+        <p:spPr>
+          <a:xfrm>
+            <a:off x="5615808" y="3594538"/>
+            <a:ext cx="5206561" cy="646331"/>
+          </a:xfrm>
+          <a:prstGeom prst="rect">
+            <a:avLst/>
+          </a:prstGeom>
+          <a:noFill/>
+        </p:spPr>
+        <p:txBody>
+          <a:bodyPr wrap="square" rtlCol="0">
+            <a:spAutoFit/>
+          </a:bodyPr>
+          <a:lstStyle/>
+          <a:p>
+            <a:r>
+              <a:rPr lang="en-US" dirty="0">
+                <a:latin typeface="Calibri" panose="020F0502020204030204" pitchFamily="34" charset="0"/>
+                <a:ea typeface="Calibri" panose="020F0502020204030204" pitchFamily="34" charset="0"/>
+                <a:cs typeface="Calibri" panose="020F0502020204030204" pitchFamily="34" charset="0"/>
+              </a:rPr>
+              <a:t>-  ‘</a:t>
+            </a:r>
+            <a:r>
+              <a:rPr lang="en-US" i="1" dirty="0" err="1">
+                <a:latin typeface="Calibri" panose="020F0502020204030204" pitchFamily="34" charset="0"/>
+                <a:ea typeface="Calibri" panose="020F0502020204030204" pitchFamily="34" charset="0"/>
+                <a:cs typeface="Calibri" panose="020F0502020204030204" pitchFamily="34" charset="0"/>
+              </a:rPr>
+              <a:t>Source_dir</a:t>
+            </a:r>
+            <a:r>
+              <a:rPr lang="en-US" dirty="0">
+                <a:latin typeface="Calibri" panose="020F0502020204030204" pitchFamily="34" charset="0"/>
+                <a:ea typeface="Calibri" panose="020F0502020204030204" pitchFamily="34" charset="0"/>
+                <a:cs typeface="Calibri" panose="020F0502020204030204" pitchFamily="34" charset="0"/>
+              </a:rPr>
+              <a:t>” contains the </a:t>
+            </a:r>
+            <a:r>
+              <a:rPr lang="en-US" dirty="0" err="1">
+                <a:latin typeface="Calibri" panose="020F0502020204030204" pitchFamily="34" charset="0"/>
+                <a:ea typeface="Calibri" panose="020F0502020204030204" pitchFamily="34" charset="0"/>
+                <a:cs typeface="Calibri" panose="020F0502020204030204" pitchFamily="34" charset="0"/>
+              </a:rPr>
+              <a:t>hyperparams.yaml</a:t>
+            </a:r>
+            <a:r>
+              <a:rPr lang="en-US" dirty="0">
+                <a:latin typeface="Calibri" panose="020F0502020204030204" pitchFamily="34" charset="0"/>
+                <a:ea typeface="Calibri" panose="020F0502020204030204" pitchFamily="34" charset="0"/>
+                <a:cs typeface="Calibri" panose="020F0502020204030204" pitchFamily="34" charset="0"/>
+              </a:rPr>
+              <a:t> file</a:t>
+            </a:r>
+          </a:p>
+          <a:p>
+            <a:r>
+              <a:rPr lang="en-IN" dirty="0">
+                <a:latin typeface="Calibri" panose="020F0502020204030204" pitchFamily="34" charset="0"/>
+                <a:ea typeface="Calibri" panose="020F0502020204030204" pitchFamily="34" charset="0"/>
+                <a:cs typeface="Calibri" panose="020F0502020204030204" pitchFamily="34" charset="0"/>
+              </a:rPr>
+              <a:t>-  The corresponding speaker embedded is calculated </a:t>
+            </a:r>
+          </a:p>
+        </p:txBody>
+      </p:sp>
+      <p:cxnSp>
+        <p:nvCxnSpPr>
+          <p:cNvPr id="10" name="Straight Arrow Connector 9">
+            <a:extLst>
+              <a:ext uri="{FF2B5EF4-FFF2-40B4-BE49-F238E27FC236}">
+                <a16:creationId xmlns:a16="http://schemas.microsoft.com/office/drawing/2014/main" id="{32331086-793F-7D42-59E0-615DF2C85CD4}"/>
+              </a:ext>
+            </a:extLst>
+          </p:cNvPr>
+          <p:cNvCxnSpPr>
+            <a:cxnSpLocks/>
+          </p:cNvCxnSpPr>
+          <p:nvPr/>
+        </p:nvCxnSpPr>
+        <p:spPr>
+          <a:xfrm flipH="1">
+            <a:off x="4912929" y="4222694"/>
+            <a:ext cx="1755228" cy="940731"/>
+          </a:xfrm>
+          <a:prstGeom prst="straightConnector1">
+            <a:avLst/>
+          </a:prstGeom>
+          <a:ln w="38100">
+            <a:solidFill>
+              <a:srgbClr val="00B0F0"/>
+            </a:solidFill>
+            <a:tailEnd type="triangle"/>
+          </a:ln>
+          <a:effectLst>
+            <a:outerShdw blurRad="50800" dist="38100" dir="2700000" algn="tl" rotWithShape="0">
+              <a:prstClr val="black">
+                <a:alpha val="40000"/>
+              </a:prstClr>
+            </a:outerShdw>
+          </a:effectLst>
+        </p:spPr>
+        <p:style>
+          <a:lnRef idx="1">
+            <a:schemeClr val="accent1"/>
+          </a:lnRef>
+          <a:fillRef idx="0">
+            <a:schemeClr val="accent1"/>
+          </a:fillRef>
+          <a:effectRef idx="0">
+            <a:schemeClr val="accent1"/>
+          </a:effectRef>
+          <a:fontRef idx="minor">
+            <a:schemeClr val="tx1"/>
+          </a:fontRef>
+        </p:style>
+      </p:cxnSp>
+    </p:spTree>
+    <p:extLst>
+      <p:ext uri="{BB962C8B-B14F-4D97-AF65-F5344CB8AC3E}">
+        <p14:creationId xmlns:p14="http://schemas.microsoft.com/office/powerpoint/2010/main" val="2321439931"/>
+      </p:ext>
+    </p:extLst>
+  </p:cSld>
+  <p:clrMapOvr>
+    <a:masterClrMapping/>
+  </p:clrMapOvr>
+</p:sld>
+</file>
+
+<file path=ppt/slides/slide7.xml><?xml version="1.0" encoding="utf-8"?>
+<p:sld xmlns:a="http://schemas.openxmlformats.org/drawingml/2006/main" xmlns:r="http://schemas.openxmlformats.org/officeDocument/2006/relationships" xmlns:p="http://schemas.openxmlformats.org/presentationml/2006/main">
+  <p:cSld>
+    <p:spTree>
+      <p:nvGrpSpPr>
+        <p:cNvPr id="1" name=""/>
+        <p:cNvGrpSpPr/>
+        <p:nvPr/>
+      </p:nvGrpSpPr>
+      <p:grpSpPr>
+        <a:xfrm>
+          <a:off x="0" y="0"/>
+          <a:ext cx="0" cy="0"/>
+          <a:chOff x="0" y="0"/>
+          <a:chExt cx="0" cy="0"/>
+        </a:xfrm>
+      </p:grpSpPr>
+      <p:sp>
+        <p:nvSpPr>
+          <p:cNvPr id="4" name="TextBox 3">
+            <a:extLst>
+              <a:ext uri="{FF2B5EF4-FFF2-40B4-BE49-F238E27FC236}">
+                <a16:creationId xmlns:a16="http://schemas.microsoft.com/office/drawing/2014/main" id="{2C7EBA81-A87F-43CD-B39D-04F53124EBD0}"/>
+              </a:ext>
+            </a:extLst>
+          </p:cNvPr>
+          <p:cNvSpPr txBox="1"/>
+          <p:nvPr/>
+        </p:nvSpPr>
+        <p:spPr>
+          <a:xfrm>
+            <a:off x="5288134" y="4783592"/>
+            <a:ext cx="1930679" cy="369332"/>
+          </a:xfrm>
+          <a:prstGeom prst="rect">
+            <a:avLst/>
+          </a:prstGeom>
+          <a:noFill/>
+        </p:spPr>
+        <p:txBody>
+          <a:bodyPr wrap="square" rtlCol="0">
+            <a:spAutoFit/>
+          </a:bodyPr>
+          <a:lstStyle/>
+          <a:p>
+            <a:r>
+              <a:rPr lang="en-IN" dirty="0">
+                <a:latin typeface="Calibri" panose="020F0502020204030204" pitchFamily="34" charset="0"/>
+                <a:ea typeface="Calibri" panose="020F0502020204030204" pitchFamily="34" charset="0"/>
+                <a:cs typeface="Calibri" panose="020F0502020204030204" pitchFamily="34" charset="0"/>
+              </a:rPr>
+              <a:t>For same speaker</a:t>
+            </a:r>
+          </a:p>
+        </p:txBody>
+      </p:sp>
+      <p:sp>
+        <p:nvSpPr>
+          <p:cNvPr id="5" name="TextBox 4">
+            <a:extLst>
+              <a:ext uri="{FF2B5EF4-FFF2-40B4-BE49-F238E27FC236}">
+                <a16:creationId xmlns:a16="http://schemas.microsoft.com/office/drawing/2014/main" id="{AEFF07A5-B420-ED4B-DBA3-C7BC932F3039}"/>
+              </a:ext>
+            </a:extLst>
+          </p:cNvPr>
+          <p:cNvSpPr txBox="1"/>
+          <p:nvPr/>
+        </p:nvSpPr>
+        <p:spPr>
+          <a:xfrm>
+            <a:off x="5270005" y="5930624"/>
+            <a:ext cx="2335327" cy="369332"/>
+          </a:xfrm>
+          <a:prstGeom prst="rect">
+            <a:avLst/>
+          </a:prstGeom>
+          <a:noFill/>
+        </p:spPr>
+        <p:txBody>
+          <a:bodyPr wrap="square" rtlCol="0">
+            <a:spAutoFit/>
+          </a:bodyPr>
+          <a:lstStyle/>
+          <a:p>
+            <a:r>
+              <a:rPr lang="en-IN" dirty="0">
+                <a:latin typeface="Calibri" panose="020F0502020204030204" pitchFamily="34" charset="0"/>
+                <a:ea typeface="Calibri" panose="020F0502020204030204" pitchFamily="34" charset="0"/>
+                <a:cs typeface="Calibri" panose="020F0502020204030204" pitchFamily="34" charset="0"/>
+              </a:rPr>
+              <a:t>For different speakers</a:t>
+            </a:r>
+          </a:p>
+        </p:txBody>
+      </p:sp>
+      <p:sp>
+        <p:nvSpPr>
+          <p:cNvPr id="17" name="TextBox 16">
+            <a:extLst>
+              <a:ext uri="{FF2B5EF4-FFF2-40B4-BE49-F238E27FC236}">
+                <a16:creationId xmlns:a16="http://schemas.microsoft.com/office/drawing/2014/main" id="{5AAF59E4-E85D-15C0-81DB-A4C38A10F39B}"/>
+              </a:ext>
+            </a:extLst>
+          </p:cNvPr>
+          <p:cNvSpPr txBox="1"/>
+          <p:nvPr/>
+        </p:nvSpPr>
+        <p:spPr>
+          <a:xfrm>
+            <a:off x="341586" y="315362"/>
+            <a:ext cx="6777496" cy="523220"/>
+          </a:xfrm>
+          <a:prstGeom prst="rect">
+            <a:avLst/>
+          </a:prstGeom>
+          <a:noFill/>
+        </p:spPr>
+        <p:txBody>
+          <a:bodyPr wrap="none" rtlCol="0">
+            <a:spAutoFit/>
+          </a:bodyPr>
+          <a:lstStyle/>
+          <a:p>
+            <a:r>
+              <a:rPr lang="en-IN" sz="2800" b="1" u="sng" dirty="0">
+                <a:latin typeface="Calibri" panose="020F0502020204030204" pitchFamily="34" charset="0"/>
+                <a:ea typeface="Calibri" panose="020F0502020204030204" pitchFamily="34" charset="0"/>
+                <a:cs typeface="Calibri" panose="020F0502020204030204" pitchFamily="34" charset="0"/>
+              </a:rPr>
+              <a:t>Speaker verification(with example wav files)</a:t>
+            </a:r>
+          </a:p>
+        </p:txBody>
+      </p:sp>
+      <p:pic>
+        <p:nvPicPr>
+          <p:cNvPr id="20" name="Picture 19">
+            <a:extLst>
+              <a:ext uri="{FF2B5EF4-FFF2-40B4-BE49-F238E27FC236}">
+                <a16:creationId xmlns:a16="http://schemas.microsoft.com/office/drawing/2014/main" id="{3727E63F-EB9C-6E88-6360-83EA20931D26}"/>
+              </a:ext>
+            </a:extLst>
+          </p:cNvPr>
+          <p:cNvPicPr>
+            <a:picLocks noChangeAspect="1"/>
+          </p:cNvPicPr>
+          <p:nvPr/>
+        </p:nvPicPr>
+        <p:blipFill>
+          <a:blip r:embed="rId2"/>
+          <a:stretch>
+            <a:fillRect/>
+          </a:stretch>
+        </p:blipFill>
+        <p:spPr>
+          <a:xfrm>
+            <a:off x="1106395" y="5003827"/>
+            <a:ext cx="3333981" cy="967266"/>
+          </a:xfrm>
+          <a:prstGeom prst="rect">
+            <a:avLst/>
+          </a:prstGeom>
+        </p:spPr>
+      </p:pic>
+      <p:sp>
+        <p:nvSpPr>
+          <p:cNvPr id="15" name="Rectangle 14">
+            <a:extLst>
+              <a:ext uri="{FF2B5EF4-FFF2-40B4-BE49-F238E27FC236}">
+                <a16:creationId xmlns:a16="http://schemas.microsoft.com/office/drawing/2014/main" id="{D79C8570-9840-9AD3-B44A-B94B0874A199}"/>
+              </a:ext>
+            </a:extLst>
+          </p:cNvPr>
+          <p:cNvSpPr/>
+          <p:nvPr/>
+        </p:nvSpPr>
+        <p:spPr>
+          <a:xfrm>
+            <a:off x="883640" y="5534189"/>
+            <a:ext cx="3825766" cy="354804"/>
+          </a:xfrm>
+          <a:prstGeom prst="rect">
+            <a:avLst/>
+          </a:prstGeom>
+          <a:noFill/>
+          <a:ln w="28575">
+            <a:solidFill>
+              <a:srgbClr val="7030A0"/>
+            </a:solidFill>
+          </a:ln>
+          <a:effectLst>
+            <a:outerShdw blurRad="50800" dist="38100" dir="2700000" algn="tl" rotWithShape="0">
+              <a:prstClr val="black">
+                <a:alpha val="40000"/>
+              </a:prstClr>
+            </a:outerShdw>
+          </a:effectLst>
+        </p:spPr>
+        <p:style>
+          <a:lnRef idx="2">
+            <a:schemeClr val="accent6"/>
+          </a:lnRef>
+          <a:fillRef idx="1">
+            <a:schemeClr val="lt1"/>
+          </a:fillRef>
+          <a:effectRef idx="0">
+            <a:schemeClr val="accent6"/>
+          </a:effectRef>
+          <a:fontRef idx="minor">
+            <a:schemeClr val="dk1"/>
+          </a:fontRef>
+        </p:style>
+        <p:txBody>
+          <a:bodyPr rtlCol="0" anchor="ctr"/>
+          <a:lstStyle/>
+          <a:p>
+            <a:pPr algn="ctr"/>
+            <a:endParaRPr lang="en-IN"/>
+          </a:p>
+        </p:txBody>
+      </p:sp>
+      <p:sp>
+        <p:nvSpPr>
+          <p:cNvPr id="14" name="Rectangle 13">
+            <a:extLst>
+              <a:ext uri="{FF2B5EF4-FFF2-40B4-BE49-F238E27FC236}">
+                <a16:creationId xmlns:a16="http://schemas.microsoft.com/office/drawing/2014/main" id="{05FAC1A1-BCEF-8D3C-1827-34B9C618A892}"/>
+              </a:ext>
+            </a:extLst>
+          </p:cNvPr>
+          <p:cNvSpPr/>
+          <p:nvPr/>
+        </p:nvSpPr>
+        <p:spPr>
+          <a:xfrm>
+            <a:off x="883640" y="5082162"/>
+            <a:ext cx="3825766" cy="354805"/>
+          </a:xfrm>
+          <a:prstGeom prst="rect">
+            <a:avLst/>
+          </a:prstGeom>
+          <a:noFill/>
+          <a:ln w="28575">
+            <a:solidFill>
+              <a:srgbClr val="00B050"/>
+            </a:solidFill>
+          </a:ln>
+          <a:effectLst>
+            <a:outerShdw blurRad="50800" dist="38100" dir="2700000" algn="tl" rotWithShape="0">
+              <a:prstClr val="black">
+                <a:alpha val="40000"/>
+              </a:prstClr>
+            </a:outerShdw>
+          </a:effectLst>
+        </p:spPr>
+        <p:style>
+          <a:lnRef idx="2">
+            <a:schemeClr val="accent6"/>
+          </a:lnRef>
+          <a:fillRef idx="1">
+            <a:schemeClr val="lt1"/>
+          </a:fillRef>
+          <a:effectRef idx="0">
+            <a:schemeClr val="accent6"/>
+          </a:effectRef>
+          <a:fontRef idx="minor">
+            <a:schemeClr val="dk1"/>
+          </a:fontRef>
+        </p:style>
+        <p:txBody>
+          <a:bodyPr rtlCol="0" anchor="ctr"/>
+          <a:lstStyle/>
+          <a:p>
+            <a:pPr algn="ctr"/>
+            <a:endParaRPr lang="en-IN"/>
+          </a:p>
+        </p:txBody>
+      </p:sp>
+      <p:cxnSp>
+        <p:nvCxnSpPr>
+          <p:cNvPr id="6" name="Straight Arrow Connector 5">
+            <a:extLst>
+              <a:ext uri="{FF2B5EF4-FFF2-40B4-BE49-F238E27FC236}">
+                <a16:creationId xmlns:a16="http://schemas.microsoft.com/office/drawing/2014/main" id="{D5CF1384-DA67-2FBB-9E44-619CF6C4297B}"/>
+              </a:ext>
+            </a:extLst>
+          </p:cNvPr>
+          <p:cNvCxnSpPr>
+            <a:cxnSpLocks/>
+          </p:cNvCxnSpPr>
+          <p:nvPr/>
+        </p:nvCxnSpPr>
+        <p:spPr>
+          <a:xfrm flipH="1">
+            <a:off x="4860231" y="4968258"/>
+            <a:ext cx="427903" cy="290093"/>
+          </a:xfrm>
+          <a:prstGeom prst="straightConnector1">
+            <a:avLst/>
+          </a:prstGeom>
+          <a:ln w="38100">
+            <a:solidFill>
+              <a:srgbClr val="00B050"/>
+            </a:solidFill>
+            <a:tailEnd type="triangle"/>
+          </a:ln>
+          <a:effectLst>
+            <a:outerShdw blurRad="50800" dist="38100" dir="2700000" algn="tl" rotWithShape="0">
+              <a:prstClr val="black">
+                <a:alpha val="40000"/>
+              </a:prstClr>
+            </a:outerShdw>
+          </a:effectLst>
+        </p:spPr>
+        <p:style>
+          <a:lnRef idx="1">
+            <a:schemeClr val="accent1"/>
+          </a:lnRef>
+          <a:fillRef idx="0">
+            <a:schemeClr val="accent1"/>
+          </a:fillRef>
+          <a:effectRef idx="0">
+            <a:schemeClr val="accent1"/>
+          </a:effectRef>
+          <a:fontRef idx="minor">
+            <a:schemeClr val="tx1"/>
+          </a:fontRef>
+        </p:style>
+      </p:cxnSp>
+      <p:cxnSp>
+        <p:nvCxnSpPr>
+          <p:cNvPr id="11" name="Straight Arrow Connector 10">
+            <a:extLst>
+              <a:ext uri="{FF2B5EF4-FFF2-40B4-BE49-F238E27FC236}">
+                <a16:creationId xmlns:a16="http://schemas.microsoft.com/office/drawing/2014/main" id="{F1840B06-5008-B31B-831A-DAA86BC55543}"/>
+              </a:ext>
+            </a:extLst>
+          </p:cNvPr>
+          <p:cNvCxnSpPr>
+            <a:cxnSpLocks/>
+          </p:cNvCxnSpPr>
+          <p:nvPr/>
+        </p:nvCxnSpPr>
+        <p:spPr>
+          <a:xfrm flipH="1" flipV="1">
+            <a:off x="4861933" y="5827628"/>
+            <a:ext cx="427903" cy="290093"/>
+          </a:xfrm>
+          <a:prstGeom prst="straightConnector1">
+            <a:avLst/>
+          </a:prstGeom>
+          <a:ln w="38100">
+            <a:solidFill>
+              <a:srgbClr val="7030A0"/>
+            </a:solidFill>
+            <a:tailEnd type="triangle"/>
+          </a:ln>
+          <a:effectLst>
+            <a:outerShdw blurRad="50800" dist="38100" dir="2700000" algn="tl" rotWithShape="0">
+              <a:prstClr val="black">
+                <a:alpha val="40000"/>
+              </a:prstClr>
+            </a:outerShdw>
+          </a:effectLst>
+        </p:spPr>
+        <p:style>
+          <a:lnRef idx="1">
+            <a:schemeClr val="accent1"/>
+          </a:lnRef>
+          <a:fillRef idx="0">
+            <a:schemeClr val="accent1"/>
+          </a:fillRef>
+          <a:effectRef idx="0">
+            <a:schemeClr val="accent1"/>
+          </a:effectRef>
+          <a:fontRef idx="minor">
+            <a:schemeClr val="tx1"/>
+          </a:fontRef>
+        </p:style>
+      </p:cxnSp>
+      <p:sp>
+        <p:nvSpPr>
+          <p:cNvPr id="2" name="TextBox 1">
+            <a:extLst>
+              <a:ext uri="{FF2B5EF4-FFF2-40B4-BE49-F238E27FC236}">
+                <a16:creationId xmlns:a16="http://schemas.microsoft.com/office/drawing/2014/main" id="{96152CC7-4B57-DD9A-1705-84C758231B99}"/>
+              </a:ext>
+            </a:extLst>
+          </p:cNvPr>
+          <p:cNvSpPr txBox="1"/>
+          <p:nvPr/>
+        </p:nvSpPr>
+        <p:spPr>
+          <a:xfrm>
+            <a:off x="8123563" y="4770764"/>
+            <a:ext cx="3427306" cy="923330"/>
+          </a:xfrm>
+          <a:prstGeom prst="rect">
+            <a:avLst/>
+          </a:prstGeom>
+          <a:noFill/>
+        </p:spPr>
+        <p:txBody>
+          <a:bodyPr wrap="square" rtlCol="0">
+            <a:spAutoFit/>
+          </a:bodyPr>
+          <a:lstStyle/>
+          <a:p>
+            <a:r>
+              <a:rPr lang="en-IN" dirty="0">
+                <a:latin typeface="Calibri" panose="020F0502020204030204" pitchFamily="34" charset="0"/>
+                <a:ea typeface="Calibri" panose="020F0502020204030204" pitchFamily="34" charset="0"/>
+                <a:cs typeface="Calibri" panose="020F0502020204030204" pitchFamily="34" charset="0"/>
+              </a:rPr>
+              <a:t>The prediction will be </a:t>
+            </a:r>
+            <a:r>
+              <a:rPr lang="en-IN" b="1" dirty="0">
+                <a:latin typeface="Calibri" panose="020F0502020204030204" pitchFamily="34" charset="0"/>
+                <a:ea typeface="Calibri" panose="020F0502020204030204" pitchFamily="34" charset="0"/>
+                <a:cs typeface="Calibri" panose="020F0502020204030204" pitchFamily="34" charset="0"/>
+              </a:rPr>
+              <a:t>True</a:t>
+            </a:r>
+            <a:r>
+              <a:rPr lang="en-IN" dirty="0">
+                <a:latin typeface="Calibri" panose="020F0502020204030204" pitchFamily="34" charset="0"/>
+                <a:ea typeface="Calibri" panose="020F0502020204030204" pitchFamily="34" charset="0"/>
+                <a:cs typeface="Calibri" panose="020F0502020204030204" pitchFamily="34" charset="0"/>
+              </a:rPr>
+              <a:t> for the same speakers and </a:t>
+            </a:r>
+            <a:r>
+              <a:rPr lang="en-IN" b="1" dirty="0">
+                <a:latin typeface="Calibri" panose="020F0502020204030204" pitchFamily="34" charset="0"/>
+                <a:ea typeface="Calibri" panose="020F0502020204030204" pitchFamily="34" charset="0"/>
+                <a:cs typeface="Calibri" panose="020F0502020204030204" pitchFamily="34" charset="0"/>
+              </a:rPr>
+              <a:t>False</a:t>
+            </a:r>
+            <a:r>
+              <a:rPr lang="en-IN" dirty="0">
+                <a:latin typeface="Calibri" panose="020F0502020204030204" pitchFamily="34" charset="0"/>
+                <a:ea typeface="Calibri" panose="020F0502020204030204" pitchFamily="34" charset="0"/>
+                <a:cs typeface="Calibri" panose="020F0502020204030204" pitchFamily="34" charset="0"/>
+              </a:rPr>
+              <a:t> for different speakers</a:t>
+            </a:r>
+          </a:p>
+        </p:txBody>
+      </p:sp>
+      <p:pic>
+        <p:nvPicPr>
+          <p:cNvPr id="8" name="Picture 7">
+            <a:extLst>
+              <a:ext uri="{FF2B5EF4-FFF2-40B4-BE49-F238E27FC236}">
+                <a16:creationId xmlns:a16="http://schemas.microsoft.com/office/drawing/2014/main" id="{94A2C4A5-9112-4547-C0E8-BE88FE696CD0}"/>
+              </a:ext>
+            </a:extLst>
+          </p:cNvPr>
+          <p:cNvPicPr>
+            <a:picLocks noChangeAspect="1"/>
+          </p:cNvPicPr>
+          <p:nvPr/>
+        </p:nvPicPr>
+        <p:blipFill>
+          <a:blip r:embed="rId3"/>
+          <a:stretch>
+            <a:fillRect/>
+          </a:stretch>
+        </p:blipFill>
+        <p:spPr>
+          <a:xfrm>
+            <a:off x="458375" y="962415"/>
+            <a:ext cx="7211431" cy="3477110"/>
+          </a:xfrm>
+          <a:prstGeom prst="rect">
+            <a:avLst/>
+          </a:prstGeom>
+        </p:spPr>
+      </p:pic>
+    </p:spTree>
+    <p:extLst>
+      <p:ext uri="{BB962C8B-B14F-4D97-AF65-F5344CB8AC3E}">
+        <p14:creationId xmlns:p14="http://schemas.microsoft.com/office/powerpoint/2010/main" val="3071218504"/>
+      </p:ext>
+    </p:extLst>
+  </p:cSld>
+  <p:clrMapOvr>
+    <a:masterClrMapping/>
+  </p:clrMapOvr>
+</p:sld>
+</file>
+
+<file path=ppt/slides/slide8.xml><?xml version="1.0" encoding="utf-8"?>
+<p:sld xmlns:a="http://schemas.openxmlformats.org/drawingml/2006/main" xmlns:r="http://schemas.openxmlformats.org/officeDocument/2006/relationships" xmlns:p="http://schemas.openxmlformats.org/presentationml/2006/main">
+  <p:cSld>
+    <p:spTree>
+      <p:nvGrpSpPr>
+        <p:cNvPr id="1" name=""/>
+        <p:cNvGrpSpPr/>
+        <p:nvPr/>
+      </p:nvGrpSpPr>
+      <p:grpSpPr>
+        <a:xfrm>
+          <a:off x="0" y="0"/>
+          <a:ext cx="0" cy="0"/>
+          <a:chOff x="0" y="0"/>
+          <a:chExt cx="0" cy="0"/>
+        </a:xfrm>
+      </p:grpSpPr>
+      <p:sp>
+        <p:nvSpPr>
+          <p:cNvPr id="2" name="TextBox 1">
+            <a:extLst>
+              <a:ext uri="{FF2B5EF4-FFF2-40B4-BE49-F238E27FC236}">
+                <a16:creationId xmlns:a16="http://schemas.microsoft.com/office/drawing/2014/main" id="{159A6DFD-9A36-765E-ED76-852819798ABD}"/>
+              </a:ext>
+            </a:extLst>
+          </p:cNvPr>
+          <p:cNvSpPr txBox="1"/>
+          <p:nvPr/>
+        </p:nvSpPr>
+        <p:spPr>
+          <a:xfrm>
+            <a:off x="4215634" y="3044279"/>
+            <a:ext cx="3051942" cy="769441"/>
+          </a:xfrm>
+          <a:prstGeom prst="rect">
+            <a:avLst/>
+          </a:prstGeom>
+          <a:noFill/>
+        </p:spPr>
+        <p:txBody>
+          <a:bodyPr wrap="square" rtlCol="0">
+            <a:spAutoFit/>
+          </a:bodyPr>
+          <a:lstStyle/>
+          <a:p>
+            <a:pPr algn="l"/>
+            <a:r>
+              <a:rPr lang="en-US" sz="4400" b="1" i="0" dirty="0">
+                <a:solidFill>
+                  <a:srgbClr val="1D2125"/>
+                </a:solidFill>
+                <a:effectLst/>
+                <a:latin typeface="Calibri" panose="020F0502020204030204" pitchFamily="34" charset="0"/>
+                <a:ea typeface="Calibri" panose="020F0502020204030204" pitchFamily="34" charset="0"/>
+                <a:cs typeface="Calibri" panose="020F0502020204030204" pitchFamily="34" charset="0"/>
+              </a:rPr>
+              <a:t>THANK YOU</a:t>
+            </a:r>
+          </a:p>
+        </p:txBody>
+      </p:sp>
+    </p:spTree>
+    <p:extLst>
+      <p:ext uri="{BB962C8B-B14F-4D97-AF65-F5344CB8AC3E}">
+        <p14:creationId xmlns:p14="http://schemas.microsoft.com/office/powerpoint/2010/main" val="2838313919"/>
+      </p:ext>
+    </p:extLst>
+  </p:cSld>
+  <p:clrMapOvr>
+    <a:masterClrMapping/>
+  </p:clrMapOvr>
+</p:sld>
+</file>
+
+<file path=ppt/slides/slide9.xml><?xml version="1.0" encoding="utf-8"?>
+<p:sld xmlns:a="http://schemas.openxmlformats.org/drawingml/2006/main" xmlns:r="http://schemas.openxmlformats.org/officeDocument/2006/relationships" xmlns:p="http://schemas.openxmlformats.org/presentationml/2006/main">
+  <p:cSld>
+    <p:spTree>
+      <p:nvGrpSpPr>
+        <p:cNvPr id="1" name=""/>
+        <p:cNvGrpSpPr/>
+        <p:nvPr/>
+      </p:nvGrpSpPr>
+      <p:grpSpPr>
+        <a:xfrm>
+          <a:off x="0" y="0"/>
+          <a:ext cx="0" cy="0"/>
+          <a:chOff x="0" y="0"/>
+          <a:chExt cx="0" cy="0"/>
+        </a:xfrm>
+      </p:grpSpPr>
+    </p:spTree>
+    <p:extLst>
+      <p:ext uri="{BB962C8B-B14F-4D97-AF65-F5344CB8AC3E}">
+        <p14:creationId xmlns:p14="http://schemas.microsoft.com/office/powerpoint/2010/main" val="467153433"/>
+      </p:ext>
+    </p:extLst>
+  </p:cSld>
+  <p:clrMapOvr>
+    <a:masterClrMapping/>
+  </p:clrMapOvr>
 </p:sld>
 </file>
 
